--- a/程序纹理动画纹理.pptx
+++ b/程序纹理动画纹理.pptx
@@ -10,10 +10,20 @@
     <p:sldId id="259" r:id="rId4"/>
     <p:sldId id="260" r:id="rId5"/>
     <p:sldId id="262" r:id="rId6"/>
-    <p:sldId id="261" r:id="rId7"/>
-    <p:sldId id="264" r:id="rId8"/>
-    <p:sldId id="257" r:id="rId9"/>
-    <p:sldId id="258" r:id="rId10"/>
+    <p:sldId id="273" r:id="rId7"/>
+    <p:sldId id="261" r:id="rId8"/>
+    <p:sldId id="264" r:id="rId9"/>
+    <p:sldId id="266" r:id="rId10"/>
+    <p:sldId id="272" r:id="rId11"/>
+    <p:sldId id="265" r:id="rId12"/>
+    <p:sldId id="267" r:id="rId13"/>
+    <p:sldId id="258" r:id="rId14"/>
+    <p:sldId id="268" r:id="rId15"/>
+    <p:sldId id="257" r:id="rId16"/>
+    <p:sldId id="269" r:id="rId17"/>
+    <p:sldId id="270" r:id="rId18"/>
+    <p:sldId id="271" r:id="rId19"/>
+    <p:sldId id="274" r:id="rId20"/>
   </p:sldIdLst>
   <p:sldSz cx="9144000" cy="6858000" type="screen4x3"/>
   <p:notesSz cx="6858000" cy="9144000"/>
@@ -112,6 +122,22 @@
       </a:defRPr>
     </a:lvl9pPr>
   </p:defaultTextStyle>
+  <p:extLst>
+    <p:ext uri="{EFAFB233-063F-42B5-8137-9DF3F51BA10A}">
+      <p15:sldGuideLst xmlns:p15="http://schemas.microsoft.com/office/powerpoint/2012/main">
+        <p15:guide id="1" orient="horz" pos="2160">
+          <p15:clr>
+            <a:srgbClr val="A4A3A4"/>
+          </p15:clr>
+        </p15:guide>
+        <p15:guide id="2" pos="2880">
+          <p15:clr>
+            <a:srgbClr val="A4A3A4"/>
+          </p15:clr>
+        </p15:guide>
+      </p15:sldGuideLst>
+    </p:ext>
+  </p:extLst>
 </p:presentation>
 </file>
 
@@ -191,9 +217,7 @@
         </p:style>
         <p:txBody>
           <a:bodyPr anchor="ctr"/>
-          <a:lstStyle>
-            <a:extLst/>
-          </a:lstStyle>
+          <a:lstStyle/>
           <a:p>
             <a:pPr algn="ctr" eaLnBrk="1" latinLnBrk="0" hangingPunct="1"/>
             <a:endParaRPr kumimoji="0" lang="en-US" dirty="0"/>
@@ -228,7 +252,7 @@
           </a:lstStyle>
           <a:p>
             <a:r>
-              <a:rPr kumimoji="0" lang="zh-CN" altLang="en-US" smtClean="0"/>
+              <a:rPr kumimoji="0" lang="zh-CN" altLang="en-US"/>
               <a:t>单击此处编辑母版标题样式</a:t>
             </a:r>
             <a:endParaRPr kumimoji="0" lang="en-US"/>
@@ -291,7 +315,7 @@
           </a:lstStyle>
           <a:p>
             <a:r>
-              <a:rPr kumimoji="0" lang="zh-CN" altLang="en-US" smtClean="0"/>
+              <a:rPr kumimoji="0" lang="zh-CN" altLang="en-US"/>
               <a:t>单击此处编辑母版副标题样式</a:t>
             </a:r>
             <a:endParaRPr kumimoji="0" lang="en-US"/>
@@ -316,14 +340,12 @@
         </p:spPr>
         <p:txBody>
           <a:bodyPr vert="horz" rtlCol="0"/>
-          <a:lstStyle>
-            <a:extLst/>
-          </a:lstStyle>
+          <a:lstStyle/>
           <a:p>
             <a:fld id="{530820CF-B880-4189-942D-D702A7CBA730}" type="datetimeFigureOut">
               <a:rPr lang="zh-CN" altLang="en-US" smtClean="0"/>
               <a:pPr/>
-              <a:t>2020/5/31</a:t>
+              <a:t>2020/6/4</a:t>
             </a:fld>
             <a:endParaRPr lang="zh-CN" altLang="en-US"/>
           </a:p>
@@ -387,9 +409,7 @@
         </p:spPr>
         <p:txBody>
           <a:bodyPr vert="horz" rtlCol="0"/>
-          <a:lstStyle>
-            <a:extLst/>
-          </a:lstStyle>
+          <a:lstStyle/>
           <a:p>
             <a:endParaRPr lang="zh-CN" altLang="en-US"/>
           </a:p>
@@ -433,12 +453,10 @@
         <p:spPr/>
         <p:txBody>
           <a:bodyPr/>
-          <a:lstStyle>
-            <a:extLst/>
-          </a:lstStyle>
-          <a:p>
-            <a:r>
-              <a:rPr kumimoji="0" lang="zh-CN" altLang="en-US" smtClean="0"/>
+          <a:lstStyle/>
+          <a:p>
+            <a:r>
+              <a:rPr kumimoji="0" lang="zh-CN" altLang="en-US"/>
               <a:t>单击此处编辑母版标题样式</a:t>
             </a:r>
             <a:endParaRPr kumimoji="0" lang="en-US"/>
@@ -458,41 +476,39 @@
         <p:spPr/>
         <p:txBody>
           <a:bodyPr vert="eaVert"/>
-          <a:lstStyle>
-            <a:extLst/>
-          </a:lstStyle>
+          <a:lstStyle/>
           <a:p>
             <a:pPr lvl="0" eaLnBrk="1" latinLnBrk="0" hangingPunct="1"/>
             <a:r>
-              <a:rPr lang="zh-CN" altLang="en-US" smtClean="0"/>
+              <a:rPr lang="zh-CN" altLang="en-US"/>
               <a:t>单击此处编辑母版文本样式</a:t>
             </a:r>
           </a:p>
           <a:p>
             <a:pPr lvl="1" eaLnBrk="1" latinLnBrk="0" hangingPunct="1"/>
             <a:r>
-              <a:rPr lang="zh-CN" altLang="en-US" smtClean="0"/>
+              <a:rPr lang="zh-CN" altLang="en-US"/>
               <a:t>第二级</a:t>
             </a:r>
           </a:p>
           <a:p>
             <a:pPr lvl="2" eaLnBrk="1" latinLnBrk="0" hangingPunct="1"/>
             <a:r>
-              <a:rPr lang="zh-CN" altLang="en-US" smtClean="0"/>
+              <a:rPr lang="zh-CN" altLang="en-US"/>
               <a:t>第三级</a:t>
             </a:r>
           </a:p>
           <a:p>
             <a:pPr lvl="3" eaLnBrk="1" latinLnBrk="0" hangingPunct="1"/>
             <a:r>
-              <a:rPr lang="zh-CN" altLang="en-US" smtClean="0"/>
+              <a:rPr lang="zh-CN" altLang="en-US"/>
               <a:t>第四级</a:t>
             </a:r>
           </a:p>
           <a:p>
             <a:pPr lvl="4" eaLnBrk="1" latinLnBrk="0" hangingPunct="1"/>
             <a:r>
-              <a:rPr lang="zh-CN" altLang="en-US" smtClean="0"/>
+              <a:rPr lang="zh-CN" altLang="en-US"/>
               <a:t>第五级</a:t>
             </a:r>
             <a:endParaRPr kumimoji="0" lang="en-US"/>
@@ -512,14 +528,12 @@
         <p:spPr/>
         <p:txBody>
           <a:bodyPr/>
-          <a:lstStyle>
-            <a:extLst/>
-          </a:lstStyle>
+          <a:lstStyle/>
           <a:p>
             <a:fld id="{530820CF-B880-4189-942D-D702A7CBA730}" type="datetimeFigureOut">
               <a:rPr lang="zh-CN" altLang="en-US" smtClean="0"/>
               <a:pPr/>
-              <a:t>2020/5/31</a:t>
+              <a:t>2020/6/4</a:t>
             </a:fld>
             <a:endParaRPr lang="zh-CN" altLang="en-US"/>
           </a:p>
@@ -538,9 +552,7 @@
         <p:spPr/>
         <p:txBody>
           <a:bodyPr/>
-          <a:lstStyle>
-            <a:extLst/>
-          </a:lstStyle>
+          <a:lstStyle/>
           <a:p>
             <a:endParaRPr lang="zh-CN" altLang="en-US"/>
           </a:p>
@@ -559,9 +571,7 @@
         <p:spPr/>
         <p:txBody>
           <a:bodyPr/>
-          <a:lstStyle>
-            <a:extLst/>
-          </a:lstStyle>
+          <a:lstStyle/>
           <a:p>
             <a:fld id="{0C913308-F349-4B6D-A68A-DD1791B4A57B}" type="slidenum">
               <a:rPr lang="zh-CN" altLang="en-US" smtClean="0"/>
@@ -623,7 +633,7 @@
           </a:lstStyle>
           <a:p>
             <a:r>
-              <a:rPr kumimoji="0" lang="zh-CN" altLang="en-US" smtClean="0"/>
+              <a:rPr kumimoji="0" lang="zh-CN" altLang="en-US"/>
               <a:t>单击此处编辑母版标题样式</a:t>
             </a:r>
             <a:endParaRPr kumimoji="0" lang="en-US"/>
@@ -648,41 +658,39 @@
         </p:spPr>
         <p:txBody>
           <a:bodyPr vert="eaVert"/>
-          <a:lstStyle>
-            <a:extLst/>
-          </a:lstStyle>
+          <a:lstStyle/>
           <a:p>
             <a:pPr lvl="0" eaLnBrk="1" latinLnBrk="0" hangingPunct="1"/>
             <a:r>
-              <a:rPr lang="zh-CN" altLang="en-US" smtClean="0"/>
+              <a:rPr lang="zh-CN" altLang="en-US"/>
               <a:t>单击此处编辑母版文本样式</a:t>
             </a:r>
           </a:p>
           <a:p>
             <a:pPr lvl="1" eaLnBrk="1" latinLnBrk="0" hangingPunct="1"/>
             <a:r>
-              <a:rPr lang="zh-CN" altLang="en-US" smtClean="0"/>
+              <a:rPr lang="zh-CN" altLang="en-US"/>
               <a:t>第二级</a:t>
             </a:r>
           </a:p>
           <a:p>
             <a:pPr lvl="2" eaLnBrk="1" latinLnBrk="0" hangingPunct="1"/>
             <a:r>
-              <a:rPr lang="zh-CN" altLang="en-US" smtClean="0"/>
+              <a:rPr lang="zh-CN" altLang="en-US"/>
               <a:t>第三级</a:t>
             </a:r>
           </a:p>
           <a:p>
             <a:pPr lvl="3" eaLnBrk="1" latinLnBrk="0" hangingPunct="1"/>
             <a:r>
-              <a:rPr lang="zh-CN" altLang="en-US" smtClean="0"/>
+              <a:rPr lang="zh-CN" altLang="en-US"/>
               <a:t>第四级</a:t>
             </a:r>
           </a:p>
           <a:p>
             <a:pPr lvl="4" eaLnBrk="1" latinLnBrk="0" hangingPunct="1"/>
             <a:r>
-              <a:rPr lang="zh-CN" altLang="en-US" smtClean="0"/>
+              <a:rPr lang="zh-CN" altLang="en-US"/>
               <a:t>第五级</a:t>
             </a:r>
             <a:endParaRPr kumimoji="0" lang="en-US"/>
@@ -702,14 +710,12 @@
         <p:spPr/>
         <p:txBody>
           <a:bodyPr/>
-          <a:lstStyle>
-            <a:extLst/>
-          </a:lstStyle>
+          <a:lstStyle/>
           <a:p>
             <a:fld id="{530820CF-B880-4189-942D-D702A7CBA730}" type="datetimeFigureOut">
               <a:rPr lang="zh-CN" altLang="en-US" smtClean="0"/>
               <a:pPr/>
-              <a:t>2020/5/31</a:t>
+              <a:t>2020/6/4</a:t>
             </a:fld>
             <a:endParaRPr lang="zh-CN" altLang="en-US"/>
           </a:p>
@@ -728,9 +734,7 @@
         <p:spPr/>
         <p:txBody>
           <a:bodyPr/>
-          <a:lstStyle>
-            <a:extLst/>
-          </a:lstStyle>
+          <a:lstStyle/>
           <a:p>
             <a:endParaRPr lang="zh-CN" altLang="en-US"/>
           </a:p>
@@ -749,9 +753,7 @@
         <p:spPr/>
         <p:txBody>
           <a:bodyPr/>
-          <a:lstStyle>
-            <a:extLst/>
-          </a:lstStyle>
+          <a:lstStyle/>
           <a:p>
             <a:fld id="{0C913308-F349-4B6D-A68A-DD1791B4A57B}" type="slidenum">
               <a:rPr lang="zh-CN" altLang="en-US" smtClean="0"/>
@@ -832,9 +834,7 @@
         </p:style>
         <p:txBody>
           <a:bodyPr anchor="ctr"/>
-          <a:lstStyle>
-            <a:extLst/>
-          </a:lstStyle>
+          <a:lstStyle/>
           <a:p>
             <a:pPr algn="ctr" eaLnBrk="1" latinLnBrk="0" hangingPunct="1"/>
             <a:endParaRPr kumimoji="0" lang="en-US" dirty="0"/>
@@ -854,12 +854,10 @@
         <p:spPr/>
         <p:txBody>
           <a:bodyPr/>
-          <a:lstStyle>
-            <a:extLst/>
-          </a:lstStyle>
-          <a:p>
-            <a:r>
-              <a:rPr kumimoji="0" lang="zh-CN" altLang="en-US" smtClean="0"/>
+          <a:lstStyle/>
+          <a:p>
+            <a:r>
+              <a:rPr kumimoji="0" lang="zh-CN" altLang="en-US"/>
               <a:t>单击此处编辑母版标题样式</a:t>
             </a:r>
             <a:endParaRPr kumimoji="0" lang="en-US"/>
@@ -879,41 +877,39 @@
         <p:spPr/>
         <p:txBody>
           <a:bodyPr/>
-          <a:lstStyle>
-            <a:extLst/>
-          </a:lstStyle>
+          <a:lstStyle/>
           <a:p>
             <a:pPr lvl="0" eaLnBrk="1" latinLnBrk="0" hangingPunct="1"/>
             <a:r>
-              <a:rPr lang="zh-CN" altLang="en-US" smtClean="0"/>
+              <a:rPr lang="zh-CN" altLang="en-US"/>
               <a:t>单击此处编辑母版文本样式</a:t>
             </a:r>
           </a:p>
           <a:p>
             <a:pPr lvl="1" eaLnBrk="1" latinLnBrk="0" hangingPunct="1"/>
             <a:r>
-              <a:rPr lang="zh-CN" altLang="en-US" smtClean="0"/>
+              <a:rPr lang="zh-CN" altLang="en-US"/>
               <a:t>第二级</a:t>
             </a:r>
           </a:p>
           <a:p>
             <a:pPr lvl="2" eaLnBrk="1" latinLnBrk="0" hangingPunct="1"/>
             <a:r>
-              <a:rPr lang="zh-CN" altLang="en-US" smtClean="0"/>
+              <a:rPr lang="zh-CN" altLang="en-US"/>
               <a:t>第三级</a:t>
             </a:r>
           </a:p>
           <a:p>
             <a:pPr lvl="3" eaLnBrk="1" latinLnBrk="0" hangingPunct="1"/>
             <a:r>
-              <a:rPr lang="zh-CN" altLang="en-US" smtClean="0"/>
+              <a:rPr lang="zh-CN" altLang="en-US"/>
               <a:t>第四级</a:t>
             </a:r>
           </a:p>
           <a:p>
             <a:pPr lvl="4" eaLnBrk="1" latinLnBrk="0" hangingPunct="1"/>
             <a:r>
-              <a:rPr lang="zh-CN" altLang="en-US" smtClean="0"/>
+              <a:rPr lang="zh-CN" altLang="en-US"/>
               <a:t>第五级</a:t>
             </a:r>
             <a:endParaRPr kumimoji="0" lang="en-US"/>
@@ -933,14 +929,12 @@
         <p:spPr/>
         <p:txBody>
           <a:bodyPr/>
-          <a:lstStyle>
-            <a:extLst/>
-          </a:lstStyle>
+          <a:lstStyle/>
           <a:p>
             <a:fld id="{530820CF-B880-4189-942D-D702A7CBA730}" type="datetimeFigureOut">
               <a:rPr lang="zh-CN" altLang="en-US" smtClean="0"/>
               <a:pPr/>
-              <a:t>2020/5/31</a:t>
+              <a:t>2020/6/4</a:t>
             </a:fld>
             <a:endParaRPr lang="zh-CN" altLang="en-US"/>
           </a:p>
@@ -959,9 +953,7 @@
         <p:spPr/>
         <p:txBody>
           <a:bodyPr/>
-          <a:lstStyle>
-            <a:extLst/>
-          </a:lstStyle>
+          <a:lstStyle/>
           <a:p>
             <a:endParaRPr lang="zh-CN" altLang="en-US"/>
           </a:p>
@@ -980,9 +972,7 @@
         <p:spPr/>
         <p:txBody>
           <a:bodyPr/>
-          <a:lstStyle>
-            <a:extLst/>
-          </a:lstStyle>
+          <a:lstStyle/>
           <a:p>
             <a:fld id="{0C913308-F349-4B6D-A68A-DD1791B4A57B}" type="slidenum">
               <a:rPr lang="zh-CN" altLang="en-US" smtClean="0"/>
@@ -1068,9 +1058,7 @@
         </p:style>
         <p:txBody>
           <a:bodyPr anchor="ctr"/>
-          <a:lstStyle>
-            <a:extLst/>
-          </a:lstStyle>
+          <a:lstStyle/>
           <a:p>
             <a:pPr algn="ctr" eaLnBrk="1" latinLnBrk="0" hangingPunct="1"/>
             <a:endParaRPr kumimoji="0" lang="en-US" dirty="0"/>
@@ -1111,7 +1099,7 @@
           </a:lstStyle>
           <a:p>
             <a:r>
-              <a:rPr kumimoji="0" lang="zh-CN" altLang="en-US" smtClean="0"/>
+              <a:rPr kumimoji="0" lang="zh-CN" altLang="en-US"/>
               <a:t>单击此处编辑母版标题样式</a:t>
             </a:r>
             <a:endParaRPr kumimoji="0" lang="en-US"/>
@@ -1192,7 +1180,7 @@
           <a:p>
             <a:pPr lvl="0" eaLnBrk="1" latinLnBrk="0" hangingPunct="1"/>
             <a:r>
-              <a:rPr kumimoji="0" lang="zh-CN" altLang="en-US" smtClean="0"/>
+              <a:rPr kumimoji="0" lang="zh-CN" altLang="en-US"/>
               <a:t>单击此处编辑母版文本样式</a:t>
             </a:r>
           </a:p>
@@ -1216,14 +1204,12 @@
         </p:spPr>
         <p:txBody>
           <a:bodyPr vert="horz" rtlCol="0"/>
-          <a:lstStyle>
-            <a:extLst/>
-          </a:lstStyle>
+          <a:lstStyle/>
           <a:p>
             <a:fld id="{530820CF-B880-4189-942D-D702A7CBA730}" type="datetimeFigureOut">
               <a:rPr lang="zh-CN" altLang="en-US" smtClean="0"/>
               <a:pPr/>
-              <a:t>2020/5/31</a:t>
+              <a:t>2020/6/4</a:t>
             </a:fld>
             <a:endParaRPr lang="zh-CN" altLang="en-US"/>
           </a:p>
@@ -1287,9 +1273,7 @@
         </p:spPr>
         <p:txBody>
           <a:bodyPr vert="horz" rtlCol="0"/>
-          <a:lstStyle>
-            <a:extLst/>
-          </a:lstStyle>
+          <a:lstStyle/>
           <a:p>
             <a:endParaRPr lang="zh-CN" altLang="en-US"/>
           </a:p>
@@ -1333,12 +1317,10 @@
         <p:spPr/>
         <p:txBody>
           <a:bodyPr/>
-          <a:lstStyle>
-            <a:extLst/>
-          </a:lstStyle>
-          <a:p>
-            <a:r>
-              <a:rPr kumimoji="0" lang="zh-CN" altLang="en-US" smtClean="0"/>
+          <a:lstStyle/>
+          <a:p>
+            <a:r>
+              <a:rPr kumimoji="0" lang="zh-CN" altLang="en-US"/>
               <a:t>单击此处编辑母版标题样式</a:t>
             </a:r>
             <a:endParaRPr kumimoji="0" lang="en-US"/>
@@ -1384,35 +1366,35 @@
           <a:p>
             <a:pPr lvl="0" eaLnBrk="1" latinLnBrk="0" hangingPunct="1"/>
             <a:r>
-              <a:rPr lang="zh-CN" altLang="en-US" smtClean="0"/>
+              <a:rPr lang="zh-CN" altLang="en-US"/>
               <a:t>单击此处编辑母版文本样式</a:t>
             </a:r>
           </a:p>
           <a:p>
             <a:pPr lvl="1" eaLnBrk="1" latinLnBrk="0" hangingPunct="1"/>
             <a:r>
-              <a:rPr lang="zh-CN" altLang="en-US" smtClean="0"/>
+              <a:rPr lang="zh-CN" altLang="en-US"/>
               <a:t>第二级</a:t>
             </a:r>
           </a:p>
           <a:p>
             <a:pPr lvl="2" eaLnBrk="1" latinLnBrk="0" hangingPunct="1"/>
             <a:r>
-              <a:rPr lang="zh-CN" altLang="en-US" smtClean="0"/>
+              <a:rPr lang="zh-CN" altLang="en-US"/>
               <a:t>第三级</a:t>
             </a:r>
           </a:p>
           <a:p>
             <a:pPr lvl="3" eaLnBrk="1" latinLnBrk="0" hangingPunct="1"/>
             <a:r>
-              <a:rPr lang="zh-CN" altLang="en-US" smtClean="0"/>
+              <a:rPr lang="zh-CN" altLang="en-US"/>
               <a:t>第四级</a:t>
             </a:r>
           </a:p>
           <a:p>
             <a:pPr lvl="4" eaLnBrk="1" latinLnBrk="0" hangingPunct="1"/>
             <a:r>
-              <a:rPr lang="zh-CN" altLang="en-US" smtClean="0"/>
+              <a:rPr lang="zh-CN" altLang="en-US"/>
               <a:t>第五级</a:t>
             </a:r>
             <a:endParaRPr kumimoji="0" lang="en-US"/>
@@ -1458,35 +1440,35 @@
           <a:p>
             <a:pPr lvl="0" eaLnBrk="1" latinLnBrk="0" hangingPunct="1"/>
             <a:r>
-              <a:rPr lang="zh-CN" altLang="en-US" smtClean="0"/>
+              <a:rPr lang="zh-CN" altLang="en-US"/>
               <a:t>单击此处编辑母版文本样式</a:t>
             </a:r>
           </a:p>
           <a:p>
             <a:pPr lvl="1" eaLnBrk="1" latinLnBrk="0" hangingPunct="1"/>
             <a:r>
-              <a:rPr lang="zh-CN" altLang="en-US" smtClean="0"/>
+              <a:rPr lang="zh-CN" altLang="en-US"/>
               <a:t>第二级</a:t>
             </a:r>
           </a:p>
           <a:p>
             <a:pPr lvl="2" eaLnBrk="1" latinLnBrk="0" hangingPunct="1"/>
             <a:r>
-              <a:rPr lang="zh-CN" altLang="en-US" smtClean="0"/>
+              <a:rPr lang="zh-CN" altLang="en-US"/>
               <a:t>第三级</a:t>
             </a:r>
           </a:p>
           <a:p>
             <a:pPr lvl="3" eaLnBrk="1" latinLnBrk="0" hangingPunct="1"/>
             <a:r>
-              <a:rPr lang="zh-CN" altLang="en-US" smtClean="0"/>
+              <a:rPr lang="zh-CN" altLang="en-US"/>
               <a:t>第四级</a:t>
             </a:r>
           </a:p>
           <a:p>
             <a:pPr lvl="4" eaLnBrk="1" latinLnBrk="0" hangingPunct="1"/>
             <a:r>
-              <a:rPr lang="zh-CN" altLang="en-US" smtClean="0"/>
+              <a:rPr lang="zh-CN" altLang="en-US"/>
               <a:t>第五级</a:t>
             </a:r>
             <a:endParaRPr kumimoji="0" lang="en-US"/>
@@ -1506,14 +1488,12 @@
         <p:spPr/>
         <p:txBody>
           <a:bodyPr/>
-          <a:lstStyle>
-            <a:extLst/>
-          </a:lstStyle>
+          <a:lstStyle/>
           <a:p>
             <a:fld id="{530820CF-B880-4189-942D-D702A7CBA730}" type="datetimeFigureOut">
               <a:rPr lang="zh-CN" altLang="en-US" smtClean="0"/>
               <a:pPr/>
-              <a:t>2020/5/31</a:t>
+              <a:t>2020/6/4</a:t>
             </a:fld>
             <a:endParaRPr lang="zh-CN" altLang="en-US"/>
           </a:p>
@@ -1532,9 +1512,7 @@
         <p:spPr/>
         <p:txBody>
           <a:bodyPr/>
-          <a:lstStyle>
-            <a:extLst/>
-          </a:lstStyle>
+          <a:lstStyle/>
           <a:p>
             <a:endParaRPr lang="zh-CN" altLang="en-US"/>
           </a:p>
@@ -1558,9 +1536,7 @@
         </p:spPr>
         <p:txBody>
           <a:bodyPr/>
-          <a:lstStyle>
-            <a:extLst/>
-          </a:lstStyle>
+          <a:lstStyle/>
           <a:p>
             <a:fld id="{0C913308-F349-4B6D-A68A-DD1791B4A57B}" type="slidenum">
               <a:rPr lang="zh-CN" altLang="en-US" smtClean="0"/>
@@ -1616,9 +1592,7 @@
         </p:style>
         <p:txBody>
           <a:bodyPr anchor="ctr"/>
-          <a:lstStyle>
-            <a:extLst/>
-          </a:lstStyle>
+          <a:lstStyle/>
           <a:p>
             <a:pPr algn="ctr" eaLnBrk="1" latinLnBrk="0" hangingPunct="1"/>
             <a:endParaRPr kumimoji="0" lang="en-US" dirty="0"/>
@@ -1695,9 +1669,7 @@
         </p:style>
         <p:txBody>
           <a:bodyPr anchor="b"/>
-          <a:lstStyle>
-            <a:extLst/>
-          </a:lstStyle>
+          <a:lstStyle/>
           <a:p>
             <a:pPr algn="ctr" eaLnBrk="1" latinLnBrk="0" hangingPunct="1"/>
             <a:endParaRPr kumimoji="0" lang="en-US" dirty="0"/>
@@ -1749,9 +1721,7 @@
         </p:style>
         <p:txBody>
           <a:bodyPr anchor="b"/>
-          <a:lstStyle>
-            <a:extLst/>
-          </a:lstStyle>
+          <a:lstStyle/>
           <a:p>
             <a:pPr algn="ctr" eaLnBrk="1" latinLnBrk="0" hangingPunct="1"/>
             <a:endParaRPr kumimoji="0" lang="en-US" dirty="0"/>
@@ -1784,7 +1754,7 @@
           </a:lstStyle>
           <a:p>
             <a:r>
-              <a:rPr kumimoji="0" lang="zh-CN" altLang="en-US" smtClean="0"/>
+              <a:rPr kumimoji="0" lang="zh-CN" altLang="en-US"/>
               <a:t>单击此处编辑母版标题样式</a:t>
             </a:r>
             <a:endParaRPr kumimoji="0" lang="en-US"/>
@@ -1840,7 +1810,7 @@
           <a:p>
             <a:pPr lvl="0" eaLnBrk="1" latinLnBrk="0" hangingPunct="1"/>
             <a:r>
-              <a:rPr kumimoji="0" lang="zh-CN" altLang="en-US" smtClean="0"/>
+              <a:rPr kumimoji="0" lang="zh-CN" altLang="en-US"/>
               <a:t>单击此处编辑母版文本样式</a:t>
             </a:r>
           </a:p>
@@ -1895,7 +1865,7 @@
           <a:p>
             <a:pPr lvl="0" eaLnBrk="1" latinLnBrk="0" hangingPunct="1"/>
             <a:r>
-              <a:rPr kumimoji="0" lang="zh-CN" altLang="en-US" smtClean="0"/>
+              <a:rPr kumimoji="0" lang="zh-CN" altLang="en-US"/>
               <a:t>单击此处编辑母版文本样式</a:t>
             </a:r>
           </a:p>
@@ -1940,35 +1910,35 @@
           <a:p>
             <a:pPr lvl="0" eaLnBrk="1" latinLnBrk="0" hangingPunct="1"/>
             <a:r>
-              <a:rPr lang="zh-CN" altLang="en-US" smtClean="0"/>
+              <a:rPr lang="zh-CN" altLang="en-US"/>
               <a:t>单击此处编辑母版文本样式</a:t>
             </a:r>
           </a:p>
           <a:p>
             <a:pPr lvl="1" eaLnBrk="1" latinLnBrk="0" hangingPunct="1"/>
             <a:r>
-              <a:rPr lang="zh-CN" altLang="en-US" smtClean="0"/>
+              <a:rPr lang="zh-CN" altLang="en-US"/>
               <a:t>第二级</a:t>
             </a:r>
           </a:p>
           <a:p>
             <a:pPr lvl="2" eaLnBrk="1" latinLnBrk="0" hangingPunct="1"/>
             <a:r>
-              <a:rPr lang="zh-CN" altLang="en-US" smtClean="0"/>
+              <a:rPr lang="zh-CN" altLang="en-US"/>
               <a:t>第三级</a:t>
             </a:r>
           </a:p>
           <a:p>
             <a:pPr lvl="3" eaLnBrk="1" latinLnBrk="0" hangingPunct="1"/>
             <a:r>
-              <a:rPr lang="zh-CN" altLang="en-US" smtClean="0"/>
+              <a:rPr lang="zh-CN" altLang="en-US"/>
               <a:t>第四级</a:t>
             </a:r>
           </a:p>
           <a:p>
             <a:pPr lvl="4" eaLnBrk="1" latinLnBrk="0" hangingPunct="1"/>
             <a:r>
-              <a:rPr lang="zh-CN" altLang="en-US" smtClean="0"/>
+              <a:rPr lang="zh-CN" altLang="en-US"/>
               <a:t>第五级</a:t>
             </a:r>
             <a:endParaRPr kumimoji="0" lang="en-US"/>
@@ -2014,35 +1984,35 @@
           <a:p>
             <a:pPr lvl="0" eaLnBrk="1" latinLnBrk="0" hangingPunct="1"/>
             <a:r>
-              <a:rPr lang="zh-CN" altLang="en-US" smtClean="0"/>
+              <a:rPr lang="zh-CN" altLang="en-US"/>
               <a:t>单击此处编辑母版文本样式</a:t>
             </a:r>
           </a:p>
           <a:p>
             <a:pPr lvl="1" eaLnBrk="1" latinLnBrk="0" hangingPunct="1"/>
             <a:r>
-              <a:rPr lang="zh-CN" altLang="en-US" smtClean="0"/>
+              <a:rPr lang="zh-CN" altLang="en-US"/>
               <a:t>第二级</a:t>
             </a:r>
           </a:p>
           <a:p>
             <a:pPr lvl="2" eaLnBrk="1" latinLnBrk="0" hangingPunct="1"/>
             <a:r>
-              <a:rPr lang="zh-CN" altLang="en-US" smtClean="0"/>
+              <a:rPr lang="zh-CN" altLang="en-US"/>
               <a:t>第三级</a:t>
             </a:r>
           </a:p>
           <a:p>
             <a:pPr lvl="3" eaLnBrk="1" latinLnBrk="0" hangingPunct="1"/>
             <a:r>
-              <a:rPr lang="zh-CN" altLang="en-US" smtClean="0"/>
+              <a:rPr lang="zh-CN" altLang="en-US"/>
               <a:t>第四级</a:t>
             </a:r>
           </a:p>
           <a:p>
             <a:pPr lvl="4" eaLnBrk="1" latinLnBrk="0" hangingPunct="1"/>
             <a:r>
-              <a:rPr lang="zh-CN" altLang="en-US" smtClean="0"/>
+              <a:rPr lang="zh-CN" altLang="en-US"/>
               <a:t>第五级</a:t>
             </a:r>
             <a:endParaRPr kumimoji="0" lang="en-US"/>
@@ -2062,14 +2032,12 @@
         <p:spPr/>
         <p:txBody>
           <a:bodyPr/>
-          <a:lstStyle>
-            <a:extLst/>
-          </a:lstStyle>
+          <a:lstStyle/>
           <a:p>
             <a:fld id="{530820CF-B880-4189-942D-D702A7CBA730}" type="datetimeFigureOut">
               <a:rPr lang="zh-CN" altLang="en-US" smtClean="0"/>
               <a:pPr/>
-              <a:t>2020/5/31</a:t>
+              <a:t>2020/6/4</a:t>
             </a:fld>
             <a:endParaRPr lang="zh-CN" altLang="en-US"/>
           </a:p>
@@ -2088,9 +2056,7 @@
         <p:spPr/>
         <p:txBody>
           <a:bodyPr/>
-          <a:lstStyle>
-            <a:extLst/>
-          </a:lstStyle>
+          <a:lstStyle/>
           <a:p>
             <a:endParaRPr lang="zh-CN" altLang="en-US"/>
           </a:p>
@@ -2114,9 +2080,7 @@
         </p:spPr>
         <p:txBody>
           <a:bodyPr/>
-          <a:lstStyle>
-            <a:extLst/>
-          </a:lstStyle>
+          <a:lstStyle/>
           <a:p>
             <a:fld id="{0C913308-F349-4B6D-A68A-DD1791B4A57B}" type="slidenum">
               <a:rPr lang="zh-CN" altLang="en-US" smtClean="0"/>
@@ -2170,12 +2134,10 @@
         </p:spPr>
         <p:txBody>
           <a:bodyPr/>
-          <a:lstStyle>
-            <a:extLst/>
-          </a:lstStyle>
-          <a:p>
-            <a:r>
-              <a:rPr kumimoji="0" lang="zh-CN" altLang="en-US" smtClean="0"/>
+          <a:lstStyle/>
+          <a:p>
+            <a:r>
+              <a:rPr kumimoji="0" lang="zh-CN" altLang="en-US"/>
               <a:t>单击此处编辑母版标题样式</a:t>
             </a:r>
             <a:endParaRPr kumimoji="0" lang="en-US"/>
@@ -2195,14 +2157,12 @@
         <p:spPr/>
         <p:txBody>
           <a:bodyPr/>
-          <a:lstStyle>
-            <a:extLst/>
-          </a:lstStyle>
+          <a:lstStyle/>
           <a:p>
             <a:fld id="{530820CF-B880-4189-942D-D702A7CBA730}" type="datetimeFigureOut">
               <a:rPr lang="zh-CN" altLang="en-US" smtClean="0"/>
               <a:pPr/>
-              <a:t>2020/5/31</a:t>
+              <a:t>2020/6/4</a:t>
             </a:fld>
             <a:endParaRPr lang="zh-CN" altLang="en-US"/>
           </a:p>
@@ -2221,9 +2181,7 @@
         <p:spPr/>
         <p:txBody>
           <a:bodyPr/>
-          <a:lstStyle>
-            <a:extLst/>
-          </a:lstStyle>
+          <a:lstStyle/>
           <a:p>
             <a:endParaRPr lang="zh-CN" altLang="en-US"/>
           </a:p>
@@ -2242,9 +2200,7 @@
         <p:spPr/>
         <p:txBody>
           <a:bodyPr/>
-          <a:lstStyle>
-            <a:extLst/>
-          </a:lstStyle>
+          <a:lstStyle/>
           <a:p>
             <a:fld id="{0C913308-F349-4B6D-A68A-DD1791B4A57B}" type="slidenum">
               <a:rPr lang="zh-CN" altLang="en-US" smtClean="0"/>
@@ -2300,9 +2256,7 @@
         </p:style>
         <p:txBody>
           <a:bodyPr anchor="ctr"/>
-          <a:lstStyle>
-            <a:extLst/>
-          </a:lstStyle>
+          <a:lstStyle/>
           <a:p>
             <a:pPr algn="ctr" eaLnBrk="1" latinLnBrk="0" hangingPunct="1"/>
             <a:endParaRPr kumimoji="0" lang="en-US" dirty="0"/>
@@ -2347,14 +2301,12 @@
         <p:spPr/>
         <p:txBody>
           <a:bodyPr/>
-          <a:lstStyle>
-            <a:extLst/>
-          </a:lstStyle>
+          <a:lstStyle/>
           <a:p>
             <a:fld id="{530820CF-B880-4189-942D-D702A7CBA730}" type="datetimeFigureOut">
               <a:rPr lang="zh-CN" altLang="en-US" smtClean="0"/>
               <a:pPr/>
-              <a:t>2020/5/31</a:t>
+              <a:t>2020/6/4</a:t>
             </a:fld>
             <a:endParaRPr lang="zh-CN" altLang="en-US"/>
           </a:p>
@@ -2373,9 +2325,7 @@
         <p:spPr/>
         <p:txBody>
           <a:bodyPr/>
-          <a:lstStyle>
-            <a:extLst/>
-          </a:lstStyle>
+          <a:lstStyle/>
           <a:p>
             <a:endParaRPr lang="zh-CN" altLang="en-US"/>
           </a:p>
@@ -2394,9 +2344,7 @@
         <p:spPr/>
         <p:txBody>
           <a:bodyPr/>
-          <a:lstStyle>
-            <a:extLst/>
-          </a:lstStyle>
+          <a:lstStyle/>
           <a:p>
             <a:fld id="{0C913308-F349-4B6D-A68A-DD1791B4A57B}" type="slidenum">
               <a:rPr lang="zh-CN" altLang="en-US" smtClean="0"/>
@@ -2482,9 +2430,7 @@
         </p:style>
         <p:txBody>
           <a:bodyPr anchor="ctr"/>
-          <a:lstStyle>
-            <a:extLst/>
-          </a:lstStyle>
+          <a:lstStyle/>
           <a:p>
             <a:pPr algn="ctr" eaLnBrk="1" latinLnBrk="0" hangingPunct="1"/>
             <a:endParaRPr kumimoji="0" lang="en-US" dirty="0"/>
@@ -2518,7 +2464,7 @@
           </a:lstStyle>
           <a:p>
             <a:r>
-              <a:rPr kumimoji="0" lang="zh-CN" altLang="en-US" smtClean="0"/>
+              <a:rPr kumimoji="0" lang="zh-CN" altLang="en-US"/>
               <a:t>单击此处编辑母版标题样式</a:t>
             </a:r>
             <a:endParaRPr kumimoji="0" lang="en-US"/>
@@ -2572,7 +2518,7 @@
           <a:p>
             <a:pPr lvl="0" eaLnBrk="1" latinLnBrk="0" hangingPunct="1"/>
             <a:r>
-              <a:rPr kumimoji="0" lang="zh-CN" altLang="en-US" smtClean="0"/>
+              <a:rPr kumimoji="0" lang="zh-CN" altLang="en-US"/>
               <a:t>单击此处编辑母版文本样式</a:t>
             </a:r>
           </a:p>
@@ -2617,35 +2563,35 @@
           <a:p>
             <a:pPr lvl="0" eaLnBrk="1" latinLnBrk="0" hangingPunct="1"/>
             <a:r>
-              <a:rPr lang="zh-CN" altLang="en-US" smtClean="0"/>
+              <a:rPr lang="zh-CN" altLang="en-US"/>
               <a:t>单击此处编辑母版文本样式</a:t>
             </a:r>
           </a:p>
           <a:p>
             <a:pPr lvl="1" eaLnBrk="1" latinLnBrk="0" hangingPunct="1"/>
             <a:r>
-              <a:rPr lang="zh-CN" altLang="en-US" smtClean="0"/>
+              <a:rPr lang="zh-CN" altLang="en-US"/>
               <a:t>第二级</a:t>
             </a:r>
           </a:p>
           <a:p>
             <a:pPr lvl="2" eaLnBrk="1" latinLnBrk="0" hangingPunct="1"/>
             <a:r>
-              <a:rPr lang="zh-CN" altLang="en-US" smtClean="0"/>
+              <a:rPr lang="zh-CN" altLang="en-US"/>
               <a:t>第三级</a:t>
             </a:r>
           </a:p>
           <a:p>
             <a:pPr lvl="3" eaLnBrk="1" latinLnBrk="0" hangingPunct="1"/>
             <a:r>
-              <a:rPr lang="zh-CN" altLang="en-US" smtClean="0"/>
+              <a:rPr lang="zh-CN" altLang="en-US"/>
               <a:t>第四级</a:t>
             </a:r>
           </a:p>
           <a:p>
             <a:pPr lvl="4" eaLnBrk="1" latinLnBrk="0" hangingPunct="1"/>
             <a:r>
-              <a:rPr lang="zh-CN" altLang="en-US" smtClean="0"/>
+              <a:rPr lang="zh-CN" altLang="en-US"/>
               <a:t>第五级</a:t>
             </a:r>
             <a:endParaRPr kumimoji="0" lang="en-US"/>
@@ -2670,14 +2616,12 @@
         </p:spPr>
         <p:txBody>
           <a:bodyPr vert="horz" rtlCol="0"/>
-          <a:lstStyle>
-            <a:extLst/>
-          </a:lstStyle>
+          <a:lstStyle/>
           <a:p>
             <a:fld id="{530820CF-B880-4189-942D-D702A7CBA730}" type="datetimeFigureOut">
               <a:rPr lang="zh-CN" altLang="en-US" smtClean="0"/>
               <a:pPr/>
-              <a:t>2020/5/31</a:t>
+              <a:t>2020/6/4</a:t>
             </a:fld>
             <a:endParaRPr lang="zh-CN" altLang="en-US"/>
           </a:p>
@@ -2741,9 +2685,7 @@
         </p:spPr>
         <p:txBody>
           <a:bodyPr vert="horz" rtlCol="0"/>
-          <a:lstStyle>
-            <a:extLst/>
-          </a:lstStyle>
+          <a:lstStyle/>
           <a:p>
             <a:endParaRPr lang="zh-CN" altLang="en-US"/>
           </a:p>
@@ -2801,7 +2743,7 @@
           </a:lstStyle>
           <a:p>
             <a:r>
-              <a:rPr kumimoji="0" lang="zh-CN" altLang="en-US" smtClean="0"/>
+              <a:rPr kumimoji="0" lang="zh-CN" altLang="en-US"/>
               <a:t>单击此处编辑母版标题样式</a:t>
             </a:r>
             <a:endParaRPr kumimoji="0" lang="en-US"/>
@@ -2851,7 +2793,7 @@
           <a:p>
             <a:pPr lvl="0" eaLnBrk="1" latinLnBrk="0" hangingPunct="1"/>
             <a:r>
-              <a:rPr kumimoji="0" lang="zh-CN" altLang="en-US" smtClean="0"/>
+              <a:rPr kumimoji="0" lang="zh-CN" altLang="en-US"/>
               <a:t>单击此处编辑母版文本样式</a:t>
             </a:r>
           </a:p>
@@ -2930,7 +2872,7 @@
           <a:p>
             <a:pPr marL="0" algn="l" rtl="0" eaLnBrk="1" latinLnBrk="0" hangingPunct="1"/>
             <a:r>
-              <a:rPr kumimoji="0" lang="zh-CN" altLang="en-US" smtClean="0">
+              <a:rPr kumimoji="0" lang="zh-CN" altLang="en-US">
                 <a:solidFill>
                   <a:schemeClr val="lt1"/>
                 </a:solidFill>
@@ -2969,14 +2911,12 @@
         </p:spPr>
         <p:txBody>
           <a:bodyPr vert="horz" rtlCol="0"/>
-          <a:lstStyle>
-            <a:extLst/>
-          </a:lstStyle>
+          <a:lstStyle/>
           <a:p>
             <a:fld id="{530820CF-B880-4189-942D-D702A7CBA730}" type="datetimeFigureOut">
               <a:rPr lang="zh-CN" altLang="en-US" smtClean="0"/>
               <a:pPr/>
-              <a:t>2020/5/31</a:t>
+              <a:t>2020/6/4</a:t>
             </a:fld>
             <a:endParaRPr lang="zh-CN" altLang="en-US"/>
           </a:p>
@@ -3040,9 +2980,7 @@
         </p:spPr>
         <p:txBody>
           <a:bodyPr vert="horz" rtlCol="0"/>
-          <a:lstStyle>
-            <a:extLst/>
-          </a:lstStyle>
+          <a:lstStyle/>
           <a:p>
             <a:endParaRPr lang="zh-CN" altLang="en-US"/>
           </a:p>
@@ -3137,9 +3075,7 @@
         </p:style>
         <p:txBody>
           <a:bodyPr anchor="ctr"/>
-          <a:lstStyle>
-            <a:extLst/>
-          </a:lstStyle>
+          <a:lstStyle/>
           <a:p>
             <a:pPr algn="ctr" eaLnBrk="1" latinLnBrk="0" hangingPunct="1"/>
             <a:endParaRPr kumimoji="0" lang="en-US" dirty="0"/>
@@ -3223,7 +3159,7 @@
             <a:fld id="{530820CF-B880-4189-942D-D702A7CBA730}" type="datetimeFigureOut">
               <a:rPr lang="zh-CN" altLang="en-US" smtClean="0"/>
               <a:pPr/>
-              <a:t>2020/5/31</a:t>
+              <a:t>2020/6/4</a:t>
             </a:fld>
             <a:endParaRPr lang="zh-CN" altLang="en-US"/>
           </a:p>
@@ -3305,12 +3241,10 @@
               <a:bevelT w="19050" h="12700"/>
             </a:sp3d>
           </a:bodyPr>
-          <a:lstStyle>
-            <a:extLst/>
-          </a:lstStyle>
-          <a:p>
-            <a:r>
-              <a:rPr kumimoji="0" lang="zh-CN" altLang="en-US" smtClean="0"/>
+          <a:lstStyle/>
+          <a:p>
+            <a:r>
+              <a:rPr kumimoji="0" lang="zh-CN" altLang="en-US"/>
               <a:t>单击此处编辑母版标题样式</a:t>
             </a:r>
             <a:endParaRPr kumimoji="0" lang="en-US"/>
@@ -3340,41 +3274,39 @@
           <a:bodyPr>
             <a:normAutofit/>
           </a:bodyPr>
-          <a:lstStyle>
-            <a:extLst/>
-          </a:lstStyle>
+          <a:lstStyle/>
           <a:p>
             <a:pPr lvl="0" eaLnBrk="1" latinLnBrk="0" hangingPunct="1"/>
             <a:r>
-              <a:rPr kumimoji="0" lang="zh-CN" altLang="en-US" smtClean="0"/>
+              <a:rPr kumimoji="0" lang="zh-CN" altLang="en-US"/>
               <a:t>单击此处编辑母版文本样式</a:t>
             </a:r>
           </a:p>
           <a:p>
             <a:pPr lvl="1" eaLnBrk="1" latinLnBrk="0" hangingPunct="1"/>
             <a:r>
-              <a:rPr kumimoji="0" lang="zh-CN" altLang="en-US" smtClean="0"/>
+              <a:rPr kumimoji="0" lang="zh-CN" altLang="en-US"/>
               <a:t>第二级</a:t>
             </a:r>
           </a:p>
           <a:p>
             <a:pPr lvl="2" eaLnBrk="1" latinLnBrk="0" hangingPunct="1"/>
             <a:r>
-              <a:rPr kumimoji="0" lang="zh-CN" altLang="en-US" smtClean="0"/>
+              <a:rPr kumimoji="0" lang="zh-CN" altLang="en-US"/>
               <a:t>第三级</a:t>
             </a:r>
           </a:p>
           <a:p>
             <a:pPr lvl="3" eaLnBrk="1" latinLnBrk="0" hangingPunct="1"/>
             <a:r>
-              <a:rPr kumimoji="0" lang="zh-CN" altLang="en-US" smtClean="0"/>
+              <a:rPr kumimoji="0" lang="zh-CN" altLang="en-US"/>
               <a:t>第四级</a:t>
             </a:r>
           </a:p>
           <a:p>
             <a:pPr lvl="4" eaLnBrk="1" latinLnBrk="0" hangingPunct="1"/>
             <a:r>
-              <a:rPr kumimoji="0" lang="zh-CN" altLang="en-US" smtClean="0"/>
+              <a:rPr kumimoji="0" lang="zh-CN" altLang="en-US"/>
               <a:t>第五级</a:t>
             </a:r>
             <a:endParaRPr kumimoji="0" lang="en-US"/>
@@ -3735,10 +3667,9 @@
           <a:lstStyle/>
           <a:p>
             <a:r>
-              <a:rPr lang="zh-CN" altLang="en-US" dirty="0" smtClean="0"/>
+              <a:rPr lang="zh-CN" altLang="en-US" dirty="0"/>
               <a:t>程序纹理、动画纹理</a:t>
             </a:r>
-            <a:endParaRPr lang="zh-CN" altLang="en-US" dirty="0"/>
           </a:p>
         </p:txBody>
       </p:sp>
@@ -3766,13 +3697,1963 @@
   <p:clrMapOvr>
     <a:masterClrMapping/>
   </p:clrMapOvr>
-  <p:timing>
-    <p:tnLst>
-      <p:par>
-        <p:cTn id="1" dur="indefinite" restart="never" nodeType="tmRoot"/>
-      </p:par>
-    </p:tnLst>
-  </p:timing>
+</p:sld>
+</file>
+
+<file path=ppt/slides/slide10.xml><?xml version="1.0" encoding="utf-8"?>
+<p:sld xmlns:a="http://schemas.openxmlformats.org/drawingml/2006/main" xmlns:r="http://schemas.openxmlformats.org/officeDocument/2006/relationships" xmlns:p="http://schemas.openxmlformats.org/presentationml/2006/main">
+  <p:cSld>
+    <p:spTree>
+      <p:nvGrpSpPr>
+        <p:cNvPr id="1" name=""/>
+        <p:cNvGrpSpPr/>
+        <p:nvPr/>
+      </p:nvGrpSpPr>
+      <p:grpSpPr>
+        <a:xfrm>
+          <a:off x="0" y="0"/>
+          <a:ext cx="0" cy="0"/>
+          <a:chOff x="0" y="0"/>
+          <a:chExt cx="0" cy="0"/>
+        </a:xfrm>
+      </p:grpSpPr>
+      <p:sp>
+        <p:nvSpPr>
+          <p:cNvPr id="2" name="标题 1"/>
+          <p:cNvSpPr>
+            <a:spLocks noGrp="1"/>
+          </p:cNvSpPr>
+          <p:nvPr>
+            <p:ph type="title"/>
+          </p:nvPr>
+        </p:nvSpPr>
+        <p:spPr>
+          <a:xfrm>
+            <a:off x="457200" y="274638"/>
+            <a:ext cx="8229600" cy="582594"/>
+          </a:xfrm>
+        </p:spPr>
+        <p:txBody>
+          <a:bodyPr>
+            <a:normAutofit fontScale="90000"/>
+          </a:bodyPr>
+          <a:lstStyle/>
+          <a:p>
+            <a:r>
+              <a:rPr lang="zh-CN" altLang="en-US" dirty="0"/>
+              <a:t>程序纹理</a:t>
+            </a:r>
+          </a:p>
+        </p:txBody>
+      </p:sp>
+      <p:sp>
+        <p:nvSpPr>
+          <p:cNvPr id="3" name="内容占位符 2"/>
+          <p:cNvSpPr>
+            <a:spLocks noGrp="1"/>
+          </p:cNvSpPr>
+          <p:nvPr>
+            <p:ph idx="1"/>
+          </p:nvPr>
+        </p:nvSpPr>
+        <p:spPr>
+          <a:xfrm>
+            <a:off x="457200" y="928670"/>
+            <a:ext cx="8229600" cy="5715039"/>
+          </a:xfrm>
+        </p:spPr>
+        <p:txBody>
+          <a:bodyPr>
+            <a:normAutofit/>
+          </a:bodyPr>
+          <a:lstStyle/>
+          <a:p>
+            <a:pPr>
+              <a:buNone/>
+            </a:pPr>
+            <a:r>
+              <a:rPr lang="zh-CN" altLang="en-US" dirty="0"/>
+              <a:t>地图里的势力区域</a:t>
+            </a:r>
+            <a:endParaRPr lang="en-US" altLang="zh-CN" dirty="0"/>
+          </a:p>
+          <a:p>
+            <a:pPr>
+              <a:buNone/>
+            </a:pPr>
+            <a:r>
+              <a:rPr lang="en-US" altLang="zh-CN" dirty="0"/>
+              <a:t>Code:</a:t>
+            </a:r>
+          </a:p>
+          <a:p>
+            <a:pPr>
+              <a:buNone/>
+            </a:pPr>
+            <a:r>
+              <a:rPr lang="en-US" altLang="zh-CN" dirty="0"/>
+              <a:t>		</a:t>
+            </a:r>
+          </a:p>
+          <a:p>
+            <a:pPr>
+              <a:buNone/>
+            </a:pPr>
+            <a:r>
+              <a:rPr lang="en-US" altLang="zh-CN" dirty="0"/>
+              <a:t>		      </a:t>
+            </a:r>
+          </a:p>
+          <a:p>
+            <a:endParaRPr lang="en-US" altLang="zh-CN" dirty="0"/>
+          </a:p>
+          <a:p>
+            <a:endParaRPr lang="en-US" altLang="zh-CN" dirty="0"/>
+          </a:p>
+          <a:p>
+            <a:endParaRPr lang="zh-CN" altLang="en-US" dirty="0"/>
+          </a:p>
+        </p:txBody>
+      </p:sp>
+      <p:pic>
+        <p:nvPicPr>
+          <p:cNvPr id="4" name="图片 3">
+            <a:extLst>
+              <a:ext uri="{FF2B5EF4-FFF2-40B4-BE49-F238E27FC236}">
+                <a16:creationId xmlns:a16="http://schemas.microsoft.com/office/drawing/2014/main" id="{8D8E25D7-E603-4E56-A469-F634F0DEA664}"/>
+              </a:ext>
+            </a:extLst>
+          </p:cNvPr>
+          <p:cNvPicPr>
+            <a:picLocks noChangeAspect="1"/>
+          </p:cNvPicPr>
+          <p:nvPr/>
+        </p:nvPicPr>
+        <p:blipFill>
+          <a:blip r:embed="rId2"/>
+          <a:stretch>
+            <a:fillRect/>
+          </a:stretch>
+        </p:blipFill>
+        <p:spPr>
+          <a:xfrm>
+            <a:off x="1691680" y="2356089"/>
+            <a:ext cx="6088385" cy="3573241"/>
+          </a:xfrm>
+          <a:prstGeom prst="rect">
+            <a:avLst/>
+          </a:prstGeom>
+        </p:spPr>
+      </p:pic>
+    </p:spTree>
+    <p:extLst>
+      <p:ext uri="{BB962C8B-B14F-4D97-AF65-F5344CB8AC3E}">
+        <p14:creationId xmlns:p14="http://schemas.microsoft.com/office/powerpoint/2010/main" val="1494055448"/>
+      </p:ext>
+    </p:extLst>
+  </p:cSld>
+  <p:clrMapOvr>
+    <a:masterClrMapping/>
+  </p:clrMapOvr>
+</p:sld>
+</file>
+
+<file path=ppt/slides/slide11.xml><?xml version="1.0" encoding="utf-8"?>
+<p:sld xmlns:a="http://schemas.openxmlformats.org/drawingml/2006/main" xmlns:r="http://schemas.openxmlformats.org/officeDocument/2006/relationships" xmlns:p="http://schemas.openxmlformats.org/presentationml/2006/main">
+  <p:cSld>
+    <p:spTree>
+      <p:nvGrpSpPr>
+        <p:cNvPr id="1" name=""/>
+        <p:cNvGrpSpPr/>
+        <p:nvPr/>
+      </p:nvGrpSpPr>
+      <p:grpSpPr>
+        <a:xfrm>
+          <a:off x="0" y="0"/>
+          <a:ext cx="0" cy="0"/>
+          <a:chOff x="0" y="0"/>
+          <a:chExt cx="0" cy="0"/>
+        </a:xfrm>
+      </p:grpSpPr>
+      <p:sp>
+        <p:nvSpPr>
+          <p:cNvPr id="2" name="标题 1"/>
+          <p:cNvSpPr>
+            <a:spLocks noGrp="1"/>
+          </p:cNvSpPr>
+          <p:nvPr>
+            <p:ph type="title"/>
+          </p:nvPr>
+        </p:nvSpPr>
+        <p:spPr>
+          <a:xfrm>
+            <a:off x="457200" y="274638"/>
+            <a:ext cx="8229600" cy="582594"/>
+          </a:xfrm>
+        </p:spPr>
+        <p:txBody>
+          <a:bodyPr>
+            <a:normAutofit fontScale="90000"/>
+          </a:bodyPr>
+          <a:lstStyle/>
+          <a:p>
+            <a:r>
+              <a:rPr lang="zh-CN" altLang="en-US" dirty="0"/>
+              <a:t>程序纹理</a:t>
+            </a:r>
+          </a:p>
+        </p:txBody>
+      </p:sp>
+      <p:sp>
+        <p:nvSpPr>
+          <p:cNvPr id="3" name="内容占位符 2"/>
+          <p:cNvSpPr>
+            <a:spLocks noGrp="1"/>
+          </p:cNvSpPr>
+          <p:nvPr>
+            <p:ph idx="1"/>
+          </p:nvPr>
+        </p:nvSpPr>
+        <p:spPr>
+          <a:xfrm>
+            <a:off x="457200" y="928670"/>
+            <a:ext cx="8229600" cy="5715039"/>
+          </a:xfrm>
+        </p:spPr>
+        <p:txBody>
+          <a:bodyPr>
+            <a:normAutofit/>
+          </a:bodyPr>
+          <a:lstStyle/>
+          <a:p>
+            <a:pPr>
+              <a:buNone/>
+            </a:pPr>
+            <a:r>
+              <a:rPr lang="zh-CN" altLang="en-US" dirty="0"/>
+              <a:t>地图里的势力区域</a:t>
+            </a:r>
+            <a:endParaRPr lang="en-US" altLang="zh-CN" dirty="0"/>
+          </a:p>
+          <a:p>
+            <a:pPr>
+              <a:buNone/>
+            </a:pPr>
+            <a:r>
+              <a:rPr lang="zh-CN" altLang="en-US" dirty="0"/>
+              <a:t>实际效果</a:t>
+            </a:r>
+            <a:r>
+              <a:rPr lang="en-US" altLang="zh-CN" dirty="0"/>
+              <a:t>:</a:t>
+            </a:r>
+          </a:p>
+          <a:p>
+            <a:pPr>
+              <a:buNone/>
+            </a:pPr>
+            <a:r>
+              <a:rPr lang="en-US" altLang="zh-CN" dirty="0"/>
+              <a:t>		</a:t>
+            </a:r>
+          </a:p>
+          <a:p>
+            <a:pPr>
+              <a:buNone/>
+            </a:pPr>
+            <a:r>
+              <a:rPr lang="en-US" altLang="zh-CN" dirty="0"/>
+              <a:t>		      </a:t>
+            </a:r>
+          </a:p>
+          <a:p>
+            <a:endParaRPr lang="en-US" altLang="zh-CN" dirty="0"/>
+          </a:p>
+          <a:p>
+            <a:endParaRPr lang="en-US" altLang="zh-CN" dirty="0"/>
+          </a:p>
+          <a:p>
+            <a:endParaRPr lang="zh-CN" altLang="en-US" dirty="0"/>
+          </a:p>
+        </p:txBody>
+      </p:sp>
+      <p:pic>
+        <p:nvPicPr>
+          <p:cNvPr id="6" name="图片 5"/>
+          <p:cNvPicPr>
+            <a:picLocks noChangeAspect="1"/>
+          </p:cNvPicPr>
+          <p:nvPr/>
+        </p:nvPicPr>
+        <p:blipFill>
+          <a:blip r:embed="rId2">
+            <a:extLst>
+              <a:ext uri="{28A0092B-C50C-407E-A947-70E740481C1C}">
+                <a14:useLocalDpi xmlns:a14="http://schemas.microsoft.com/office/drawing/2010/main" val="0"/>
+              </a:ext>
+            </a:extLst>
+          </a:blip>
+          <a:srcRect/>
+          <a:stretch/>
+        </p:blipFill>
+        <p:spPr>
+          <a:xfrm>
+            <a:off x="1797860" y="2007296"/>
+            <a:ext cx="6009565" cy="4620746"/>
+          </a:xfrm>
+          <a:prstGeom prst="rect">
+            <a:avLst/>
+          </a:prstGeom>
+        </p:spPr>
+      </p:pic>
+    </p:spTree>
+    <p:extLst>
+      <p:ext uri="{BB962C8B-B14F-4D97-AF65-F5344CB8AC3E}">
+        <p14:creationId xmlns:p14="http://schemas.microsoft.com/office/powerpoint/2010/main" val="3875217283"/>
+      </p:ext>
+    </p:extLst>
+  </p:cSld>
+  <p:clrMapOvr>
+    <a:masterClrMapping/>
+  </p:clrMapOvr>
+</p:sld>
+</file>
+
+<file path=ppt/slides/slide12.xml><?xml version="1.0" encoding="utf-8"?>
+<p:sld xmlns:a="http://schemas.openxmlformats.org/drawingml/2006/main" xmlns:r="http://schemas.openxmlformats.org/officeDocument/2006/relationships" xmlns:p="http://schemas.openxmlformats.org/presentationml/2006/main">
+  <p:cSld>
+    <p:spTree>
+      <p:nvGrpSpPr>
+        <p:cNvPr id="1" name=""/>
+        <p:cNvGrpSpPr/>
+        <p:nvPr/>
+      </p:nvGrpSpPr>
+      <p:grpSpPr>
+        <a:xfrm>
+          <a:off x="0" y="0"/>
+          <a:ext cx="0" cy="0"/>
+          <a:chOff x="0" y="0"/>
+          <a:chExt cx="0" cy="0"/>
+        </a:xfrm>
+      </p:grpSpPr>
+      <p:sp>
+        <p:nvSpPr>
+          <p:cNvPr id="2" name="标题 1"/>
+          <p:cNvSpPr>
+            <a:spLocks noGrp="1"/>
+          </p:cNvSpPr>
+          <p:nvPr>
+            <p:ph type="title"/>
+          </p:nvPr>
+        </p:nvSpPr>
+        <p:spPr>
+          <a:xfrm>
+            <a:off x="457200" y="274638"/>
+            <a:ext cx="8229600" cy="582594"/>
+          </a:xfrm>
+        </p:spPr>
+        <p:txBody>
+          <a:bodyPr>
+            <a:normAutofit fontScale="90000"/>
+          </a:bodyPr>
+          <a:lstStyle/>
+          <a:p>
+            <a:r>
+              <a:rPr lang="zh-CN" altLang="en-US" dirty="0"/>
+              <a:t>动画纹理</a:t>
+            </a:r>
+          </a:p>
+        </p:txBody>
+      </p:sp>
+      <p:sp>
+        <p:nvSpPr>
+          <p:cNvPr id="3" name="内容占位符 2"/>
+          <p:cNvSpPr>
+            <a:spLocks noGrp="1"/>
+          </p:cNvSpPr>
+          <p:nvPr>
+            <p:ph idx="1"/>
+          </p:nvPr>
+        </p:nvSpPr>
+        <p:spPr>
+          <a:xfrm>
+            <a:off x="457200" y="908720"/>
+            <a:ext cx="8229600" cy="6663684"/>
+          </a:xfrm>
+        </p:spPr>
+        <p:txBody>
+          <a:bodyPr>
+            <a:normAutofit/>
+          </a:bodyPr>
+          <a:lstStyle/>
+          <a:p>
+            <a:pPr>
+              <a:buNone/>
+            </a:pPr>
+            <a:r>
+              <a:rPr lang="zh-CN" altLang="en-US" dirty="0"/>
+              <a:t>动画存储的方式</a:t>
+            </a:r>
+            <a:endParaRPr lang="en-US" altLang="zh-CN" dirty="0"/>
+          </a:p>
+          <a:p>
+            <a:r>
+              <a:rPr lang="zh-CN" altLang="en-US" dirty="0"/>
+              <a:t>骨骼纹理</a:t>
+            </a:r>
+            <a:endParaRPr lang="en-US" altLang="zh-CN" dirty="0"/>
+          </a:p>
+          <a:p>
+            <a:r>
+              <a:rPr lang="zh-CN" altLang="en-US" dirty="0"/>
+              <a:t>顶点纹理</a:t>
+            </a:r>
+            <a:endParaRPr lang="en-US" altLang="zh-CN" dirty="0"/>
+          </a:p>
+          <a:p>
+            <a:endParaRPr lang="en-US" altLang="zh-CN" dirty="0"/>
+          </a:p>
+          <a:p>
+            <a:endParaRPr lang="en-US" altLang="zh-CN" dirty="0"/>
+          </a:p>
+          <a:p>
+            <a:endParaRPr lang="en-US" altLang="zh-CN" dirty="0"/>
+          </a:p>
+          <a:p>
+            <a:endParaRPr lang="en-US" altLang="zh-CN" dirty="0"/>
+          </a:p>
+          <a:p>
+            <a:endParaRPr lang="en-US" altLang="zh-CN" dirty="0"/>
+          </a:p>
+          <a:p>
+            <a:endParaRPr lang="en-US" altLang="zh-CN" dirty="0"/>
+          </a:p>
+          <a:p>
+            <a:pPr marL="0" indent="0">
+              <a:buNone/>
+            </a:pPr>
+            <a:endParaRPr lang="en-US" altLang="zh-CN" dirty="0"/>
+          </a:p>
+          <a:p>
+            <a:pPr marL="0" indent="0">
+              <a:buNone/>
+            </a:pPr>
+            <a:r>
+              <a:rPr lang="en-US" altLang="zh-CN" dirty="0"/>
+              <a:t>	       </a:t>
+            </a:r>
+            <a:r>
+              <a:rPr lang="zh-CN" altLang="en-US" sz="1400" dirty="0"/>
+              <a:t>骨骼纹理</a:t>
+            </a:r>
+            <a:r>
+              <a:rPr lang="en-US" altLang="zh-CN" sz="1400" dirty="0"/>
+              <a:t>				</a:t>
+            </a:r>
+            <a:r>
+              <a:rPr lang="zh-CN" altLang="en-US" sz="1400" dirty="0"/>
+              <a:t>顶点纹理</a:t>
+            </a:r>
+            <a:endParaRPr lang="en-US" altLang="zh-CN" sz="1400" dirty="0"/>
+          </a:p>
+          <a:p>
+            <a:pPr>
+              <a:buNone/>
+            </a:pPr>
+            <a:r>
+              <a:rPr lang="en-US" altLang="zh-CN" dirty="0"/>
+              <a:t>		      </a:t>
+            </a:r>
+          </a:p>
+          <a:p>
+            <a:endParaRPr lang="en-US" altLang="zh-CN" dirty="0"/>
+          </a:p>
+          <a:p>
+            <a:endParaRPr lang="en-US" altLang="zh-CN" dirty="0"/>
+          </a:p>
+          <a:p>
+            <a:endParaRPr lang="zh-CN" altLang="en-US" dirty="0"/>
+          </a:p>
+        </p:txBody>
+      </p:sp>
+      <p:pic>
+        <p:nvPicPr>
+          <p:cNvPr id="5" name="图片 4">
+            <a:extLst>
+              <a:ext uri="{FF2B5EF4-FFF2-40B4-BE49-F238E27FC236}">
+                <a16:creationId xmlns:a16="http://schemas.microsoft.com/office/drawing/2014/main" id="{888C14F1-0DFD-419D-8ED2-532A10920006}"/>
+              </a:ext>
+            </a:extLst>
+          </p:cNvPr>
+          <p:cNvPicPr>
+            <a:picLocks noChangeAspect="1"/>
+          </p:cNvPicPr>
+          <p:nvPr/>
+        </p:nvPicPr>
+        <p:blipFill>
+          <a:blip r:embed="rId2">
+            <a:extLst>
+              <a:ext uri="{28A0092B-C50C-407E-A947-70E740481C1C}">
+                <a14:useLocalDpi xmlns:a14="http://schemas.microsoft.com/office/drawing/2010/main" val="0"/>
+              </a:ext>
+            </a:extLst>
+          </a:blip>
+          <a:stretch>
+            <a:fillRect/>
+          </a:stretch>
+        </p:blipFill>
+        <p:spPr>
+          <a:xfrm>
+            <a:off x="939575" y="2780929"/>
+            <a:ext cx="2979973" cy="3143820"/>
+          </a:xfrm>
+          <a:prstGeom prst="rect">
+            <a:avLst/>
+          </a:prstGeom>
+        </p:spPr>
+      </p:pic>
+      <p:pic>
+        <p:nvPicPr>
+          <p:cNvPr id="7" name="图片 6">
+            <a:extLst>
+              <a:ext uri="{FF2B5EF4-FFF2-40B4-BE49-F238E27FC236}">
+                <a16:creationId xmlns:a16="http://schemas.microsoft.com/office/drawing/2014/main" id="{B71C6798-0DB8-4BFC-835A-16241A82EDDF}"/>
+              </a:ext>
+            </a:extLst>
+          </p:cNvPr>
+          <p:cNvPicPr>
+            <a:picLocks noChangeAspect="1"/>
+          </p:cNvPicPr>
+          <p:nvPr/>
+        </p:nvPicPr>
+        <p:blipFill>
+          <a:blip r:embed="rId3">
+            <a:extLst>
+              <a:ext uri="{28A0092B-C50C-407E-A947-70E740481C1C}">
+                <a14:useLocalDpi xmlns:a14="http://schemas.microsoft.com/office/drawing/2010/main" val="0"/>
+              </a:ext>
+            </a:extLst>
+          </a:blip>
+          <a:stretch>
+            <a:fillRect/>
+          </a:stretch>
+        </p:blipFill>
+        <p:spPr>
+          <a:xfrm>
+            <a:off x="4337841" y="2780929"/>
+            <a:ext cx="3897220" cy="3143819"/>
+          </a:xfrm>
+          <a:prstGeom prst="rect">
+            <a:avLst/>
+          </a:prstGeom>
+        </p:spPr>
+      </p:pic>
+    </p:spTree>
+    <p:extLst>
+      <p:ext uri="{BB962C8B-B14F-4D97-AF65-F5344CB8AC3E}">
+        <p14:creationId xmlns:p14="http://schemas.microsoft.com/office/powerpoint/2010/main" val="1172570380"/>
+      </p:ext>
+    </p:extLst>
+  </p:cSld>
+  <p:clrMapOvr>
+    <a:masterClrMapping/>
+  </p:clrMapOvr>
+</p:sld>
+</file>
+
+<file path=ppt/slides/slide13.xml><?xml version="1.0" encoding="utf-8"?>
+<p:sld xmlns:a="http://schemas.openxmlformats.org/drawingml/2006/main" xmlns:r="http://schemas.openxmlformats.org/officeDocument/2006/relationships" xmlns:p="http://schemas.openxmlformats.org/presentationml/2006/main">
+  <p:cSld>
+    <p:spTree>
+      <p:nvGrpSpPr>
+        <p:cNvPr id="1" name=""/>
+        <p:cNvGrpSpPr/>
+        <p:nvPr/>
+      </p:nvGrpSpPr>
+      <p:grpSpPr>
+        <a:xfrm>
+          <a:off x="0" y="0"/>
+          <a:ext cx="0" cy="0"/>
+          <a:chOff x="0" y="0"/>
+          <a:chExt cx="0" cy="0"/>
+        </a:xfrm>
+      </p:grpSpPr>
+      <p:sp>
+        <p:nvSpPr>
+          <p:cNvPr id="2" name="标题 1"/>
+          <p:cNvSpPr>
+            <a:spLocks noGrp="1"/>
+          </p:cNvSpPr>
+          <p:nvPr>
+            <p:ph type="title"/>
+          </p:nvPr>
+        </p:nvSpPr>
+        <p:spPr>
+          <a:xfrm>
+            <a:off x="457200" y="274638"/>
+            <a:ext cx="8229600" cy="582594"/>
+          </a:xfrm>
+        </p:spPr>
+        <p:txBody>
+          <a:bodyPr>
+            <a:normAutofit fontScale="90000"/>
+          </a:bodyPr>
+          <a:lstStyle/>
+          <a:p>
+            <a:r>
+              <a:rPr lang="zh-CN" altLang="en-US" dirty="0"/>
+              <a:t>动画纹理</a:t>
+            </a:r>
+          </a:p>
+        </p:txBody>
+      </p:sp>
+      <p:sp>
+        <p:nvSpPr>
+          <p:cNvPr id="3" name="内容占位符 2"/>
+          <p:cNvSpPr>
+            <a:spLocks noGrp="1"/>
+          </p:cNvSpPr>
+          <p:nvPr>
+            <p:ph idx="1"/>
+          </p:nvPr>
+        </p:nvSpPr>
+        <p:spPr>
+          <a:xfrm>
+            <a:off x="457200" y="928670"/>
+            <a:ext cx="8229600" cy="5715039"/>
+          </a:xfrm>
+        </p:spPr>
+        <p:txBody>
+          <a:bodyPr>
+            <a:normAutofit lnSpcReduction="10000"/>
+          </a:bodyPr>
+          <a:lstStyle/>
+          <a:p>
+            <a:pPr>
+              <a:buNone/>
+            </a:pPr>
+            <a:r>
+              <a:rPr lang="zh-CN" altLang="en-US" dirty="0"/>
+              <a:t>使用动画纹理的优缺点</a:t>
+            </a:r>
+            <a:endParaRPr lang="en-US" altLang="zh-CN" dirty="0"/>
+          </a:p>
+          <a:p>
+            <a:pPr>
+              <a:buNone/>
+            </a:pPr>
+            <a:endParaRPr lang="en-US" altLang="zh-CN" dirty="0"/>
+          </a:p>
+          <a:p>
+            <a:r>
+              <a:rPr lang="zh-CN" altLang="en-US" dirty="0"/>
+              <a:t>优点</a:t>
+            </a:r>
+            <a:r>
+              <a:rPr lang="en-US" altLang="zh-CN" dirty="0"/>
+              <a:t>:</a:t>
+            </a:r>
+            <a:r>
+              <a:rPr lang="zh-CN" altLang="en-US" dirty="0">
+                <a:solidFill>
+                  <a:srgbClr val="00B050"/>
+                </a:solidFill>
+              </a:rPr>
+              <a:t>不需要</a:t>
+            </a:r>
+            <a:r>
+              <a:rPr lang="en-US" altLang="zh-CN" dirty="0">
+                <a:solidFill>
+                  <a:srgbClr val="00B050"/>
+                </a:solidFill>
+              </a:rPr>
+              <a:t>CPU</a:t>
+            </a:r>
+            <a:r>
+              <a:rPr lang="zh-CN" altLang="en-US" dirty="0">
+                <a:solidFill>
+                  <a:srgbClr val="00B050"/>
+                </a:solidFill>
+              </a:rPr>
+              <a:t>对骨骼进行计算</a:t>
+            </a:r>
+            <a:r>
+              <a:rPr lang="zh-CN" altLang="en-US" dirty="0"/>
+              <a:t>；对于处于相同状态的模型可以使用</a:t>
+            </a:r>
+            <a:r>
+              <a:rPr lang="en-US" altLang="zh-CN" dirty="0"/>
+              <a:t>GPU Instance</a:t>
+            </a:r>
+            <a:r>
+              <a:rPr lang="zh-CN" altLang="en-US" dirty="0"/>
+              <a:t>，适合</a:t>
+            </a:r>
+            <a:r>
+              <a:rPr lang="zh-CN" altLang="en-US" dirty="0">
+                <a:solidFill>
+                  <a:srgbClr val="00B050"/>
+                </a:solidFill>
+              </a:rPr>
+              <a:t>渲染大批量的模型</a:t>
+            </a:r>
+            <a:r>
+              <a:rPr lang="zh-CN" altLang="en-US" dirty="0"/>
+              <a:t>；</a:t>
+            </a:r>
+            <a:endParaRPr lang="en-US" altLang="zh-CN" dirty="0"/>
+          </a:p>
+          <a:p>
+            <a:endParaRPr lang="en-US" altLang="zh-CN" dirty="0"/>
+          </a:p>
+          <a:p>
+            <a:r>
+              <a:rPr lang="zh-CN" altLang="en-US" dirty="0"/>
+              <a:t>缺点</a:t>
+            </a:r>
+            <a:r>
+              <a:rPr lang="en-US" altLang="zh-CN" dirty="0"/>
+              <a:t>:</a:t>
+            </a:r>
+            <a:r>
+              <a:rPr lang="zh-CN" altLang="en-US" dirty="0">
+                <a:solidFill>
+                  <a:srgbClr val="00B050"/>
+                </a:solidFill>
+              </a:rPr>
+              <a:t>需要额外的纹理去存储</a:t>
+            </a:r>
+            <a:r>
+              <a:rPr lang="zh-CN" altLang="en-US" dirty="0"/>
+              <a:t>骨骼动画数据；</a:t>
+            </a:r>
+            <a:r>
+              <a:rPr lang="zh-CN" altLang="en-US" dirty="0">
+                <a:solidFill>
+                  <a:srgbClr val="00B050"/>
+                </a:solidFill>
+              </a:rPr>
+              <a:t>不能使用引擎内部的动画控制器</a:t>
+            </a:r>
+            <a:r>
+              <a:rPr lang="zh-CN" altLang="en-US" dirty="0"/>
+              <a:t>；纹理格式会导致一定的精度丢失，如果使用</a:t>
+            </a:r>
+            <a:r>
+              <a:rPr lang="en-US" altLang="zh-CN" dirty="0"/>
+              <a:t>RGBA32</a:t>
+            </a:r>
+            <a:r>
+              <a:rPr lang="zh-CN" altLang="en-US" dirty="0"/>
+              <a:t>，纹理不可以使用压缩格式</a:t>
+            </a:r>
+            <a:endParaRPr lang="en-US" altLang="zh-CN" dirty="0"/>
+          </a:p>
+          <a:p>
+            <a:pPr lvl="4">
+              <a:buNone/>
+            </a:pPr>
+            <a:r>
+              <a:rPr lang="en-US" altLang="zh-CN" dirty="0"/>
+              <a:t>		</a:t>
+            </a:r>
+          </a:p>
+          <a:p>
+            <a:pPr>
+              <a:buNone/>
+            </a:pPr>
+            <a:r>
+              <a:rPr lang="en-US" altLang="zh-CN" dirty="0"/>
+              <a:t>		      </a:t>
+            </a:r>
+          </a:p>
+          <a:p>
+            <a:endParaRPr lang="en-US" altLang="zh-CN" dirty="0"/>
+          </a:p>
+          <a:p>
+            <a:endParaRPr lang="en-US" altLang="zh-CN" dirty="0"/>
+          </a:p>
+          <a:p>
+            <a:endParaRPr lang="zh-CN" altLang="en-US" dirty="0"/>
+          </a:p>
+        </p:txBody>
+      </p:sp>
+    </p:spTree>
+  </p:cSld>
+  <p:clrMapOvr>
+    <a:masterClrMapping/>
+  </p:clrMapOvr>
+</p:sld>
+</file>
+
+<file path=ppt/slides/slide14.xml><?xml version="1.0" encoding="utf-8"?>
+<p:sld xmlns:a="http://schemas.openxmlformats.org/drawingml/2006/main" xmlns:r="http://schemas.openxmlformats.org/officeDocument/2006/relationships" xmlns:p="http://schemas.openxmlformats.org/presentationml/2006/main">
+  <p:cSld>
+    <p:spTree>
+      <p:nvGrpSpPr>
+        <p:cNvPr id="1" name=""/>
+        <p:cNvGrpSpPr/>
+        <p:nvPr/>
+      </p:nvGrpSpPr>
+      <p:grpSpPr>
+        <a:xfrm>
+          <a:off x="0" y="0"/>
+          <a:ext cx="0" cy="0"/>
+          <a:chOff x="0" y="0"/>
+          <a:chExt cx="0" cy="0"/>
+        </a:xfrm>
+      </p:grpSpPr>
+      <p:sp>
+        <p:nvSpPr>
+          <p:cNvPr id="2" name="标题 1"/>
+          <p:cNvSpPr>
+            <a:spLocks noGrp="1"/>
+          </p:cNvSpPr>
+          <p:nvPr>
+            <p:ph type="title"/>
+          </p:nvPr>
+        </p:nvSpPr>
+        <p:spPr>
+          <a:xfrm>
+            <a:off x="457200" y="274638"/>
+            <a:ext cx="8229600" cy="582594"/>
+          </a:xfrm>
+        </p:spPr>
+        <p:txBody>
+          <a:bodyPr>
+            <a:normAutofit fontScale="90000"/>
+          </a:bodyPr>
+          <a:lstStyle/>
+          <a:p>
+            <a:r>
+              <a:rPr lang="zh-CN" altLang="en-US" dirty="0"/>
+              <a:t>动画纹理</a:t>
+            </a:r>
+          </a:p>
+        </p:txBody>
+      </p:sp>
+      <p:sp>
+        <p:nvSpPr>
+          <p:cNvPr id="3" name="内容占位符 2"/>
+          <p:cNvSpPr>
+            <a:spLocks noGrp="1"/>
+          </p:cNvSpPr>
+          <p:nvPr>
+            <p:ph idx="1"/>
+          </p:nvPr>
+        </p:nvSpPr>
+        <p:spPr>
+          <a:xfrm>
+            <a:off x="457200" y="908720"/>
+            <a:ext cx="8229600" cy="6663684"/>
+          </a:xfrm>
+        </p:spPr>
+        <p:txBody>
+          <a:bodyPr>
+            <a:normAutofit/>
+          </a:bodyPr>
+          <a:lstStyle/>
+          <a:p>
+            <a:pPr>
+              <a:buNone/>
+            </a:pPr>
+            <a:r>
+              <a:rPr lang="zh-CN" altLang="en-US" dirty="0"/>
+              <a:t>骨骼纹理</a:t>
+            </a:r>
+            <a:endParaRPr lang="en-US" altLang="zh-CN" dirty="0"/>
+          </a:p>
+          <a:p>
+            <a:pPr>
+              <a:buNone/>
+            </a:pPr>
+            <a:r>
+              <a:rPr lang="en-US" altLang="zh-CN" dirty="0"/>
+              <a:t>		</a:t>
+            </a:r>
+            <a:r>
+              <a:rPr lang="zh-CN" altLang="en-US" dirty="0"/>
+              <a:t>纹理中存储动画每帧的</a:t>
+            </a:r>
+            <a:r>
+              <a:rPr lang="zh-CN" altLang="en-US" dirty="0">
+                <a:solidFill>
+                  <a:srgbClr val="00B050"/>
+                </a:solidFill>
+              </a:rPr>
+              <a:t>骨骼变换信息</a:t>
+            </a:r>
+            <a:r>
+              <a:rPr lang="zh-CN" altLang="en-US" dirty="0"/>
+              <a:t>，需要在顶点着色器中用骨骼矩阵去计算顶点的位置，也可以用这个矩阵去计算</a:t>
+            </a:r>
+            <a:r>
+              <a:rPr lang="zh-CN" altLang="en-US" dirty="0">
+                <a:solidFill>
+                  <a:srgbClr val="00B050"/>
+                </a:solidFill>
+              </a:rPr>
+              <a:t>变换后的法线和切线</a:t>
+            </a:r>
+            <a:r>
+              <a:rPr lang="zh-CN" altLang="en-US" dirty="0"/>
+              <a:t>。优点是灵活度很大，</a:t>
+            </a:r>
+            <a:r>
+              <a:rPr lang="zh-CN" altLang="en-US" dirty="0">
+                <a:solidFill>
+                  <a:srgbClr val="00B050"/>
+                </a:solidFill>
+              </a:rPr>
+              <a:t>支持换装或者骨骼绑定</a:t>
+            </a:r>
+            <a:r>
+              <a:rPr lang="zh-CN" altLang="en-US" dirty="0"/>
+              <a:t>，相同骨骼的模型</a:t>
+            </a:r>
+            <a:r>
+              <a:rPr lang="zh-CN" altLang="en-US" dirty="0">
+                <a:solidFill>
+                  <a:srgbClr val="00B050"/>
+                </a:solidFill>
+              </a:rPr>
+              <a:t>可以复用</a:t>
+            </a:r>
+            <a:r>
+              <a:rPr lang="zh-CN" altLang="en-US" dirty="0"/>
+              <a:t>，纹理</a:t>
+            </a:r>
+            <a:r>
+              <a:rPr lang="zh-CN" altLang="en-US" dirty="0">
+                <a:solidFill>
+                  <a:srgbClr val="00B050"/>
+                </a:solidFill>
+              </a:rPr>
+              <a:t>尺寸较小</a:t>
+            </a:r>
+            <a:r>
+              <a:rPr lang="zh-CN" altLang="en-US" dirty="0"/>
+              <a:t>，缺点是</a:t>
+            </a:r>
+            <a:r>
+              <a:rPr lang="zh-CN" altLang="en-US" dirty="0">
+                <a:solidFill>
+                  <a:srgbClr val="00B050"/>
+                </a:solidFill>
+              </a:rPr>
+              <a:t>计算量较大</a:t>
+            </a:r>
+            <a:r>
+              <a:rPr lang="zh-CN" altLang="en-US" dirty="0"/>
+              <a:t>。</a:t>
+            </a:r>
+            <a:endParaRPr lang="en-US" altLang="zh-CN" dirty="0"/>
+          </a:p>
+          <a:p>
+            <a:pPr>
+              <a:buNone/>
+            </a:pPr>
+            <a:endParaRPr lang="en-US" altLang="zh-CN" dirty="0"/>
+          </a:p>
+          <a:p>
+            <a:pPr lvl="4">
+              <a:buNone/>
+            </a:pPr>
+            <a:r>
+              <a:rPr lang="en-US" altLang="zh-CN" dirty="0"/>
+              <a:t>		</a:t>
+            </a:r>
+          </a:p>
+          <a:p>
+            <a:pPr>
+              <a:buNone/>
+            </a:pPr>
+            <a:r>
+              <a:rPr lang="en-US" altLang="zh-CN" dirty="0"/>
+              <a:t>		      </a:t>
+            </a:r>
+          </a:p>
+          <a:p>
+            <a:endParaRPr lang="en-US" altLang="zh-CN" dirty="0"/>
+          </a:p>
+          <a:p>
+            <a:endParaRPr lang="en-US" altLang="zh-CN" dirty="0"/>
+          </a:p>
+          <a:p>
+            <a:endParaRPr lang="zh-CN" altLang="en-US" dirty="0"/>
+          </a:p>
+        </p:txBody>
+      </p:sp>
+    </p:spTree>
+    <p:extLst>
+      <p:ext uri="{BB962C8B-B14F-4D97-AF65-F5344CB8AC3E}">
+        <p14:creationId xmlns:p14="http://schemas.microsoft.com/office/powerpoint/2010/main" val="988464055"/>
+      </p:ext>
+    </p:extLst>
+  </p:cSld>
+  <p:clrMapOvr>
+    <a:masterClrMapping/>
+  </p:clrMapOvr>
+</p:sld>
+</file>
+
+<file path=ppt/slides/slide15.xml><?xml version="1.0" encoding="utf-8"?>
+<p:sld xmlns:a="http://schemas.openxmlformats.org/drawingml/2006/main" xmlns:r="http://schemas.openxmlformats.org/officeDocument/2006/relationships" xmlns:p="http://schemas.openxmlformats.org/presentationml/2006/main">
+  <p:cSld>
+    <p:spTree>
+      <p:nvGrpSpPr>
+        <p:cNvPr id="1" name=""/>
+        <p:cNvGrpSpPr/>
+        <p:nvPr/>
+      </p:nvGrpSpPr>
+      <p:grpSpPr>
+        <a:xfrm>
+          <a:off x="0" y="0"/>
+          <a:ext cx="0" cy="0"/>
+          <a:chOff x="0" y="0"/>
+          <a:chExt cx="0" cy="0"/>
+        </a:xfrm>
+      </p:grpSpPr>
+      <p:sp>
+        <p:nvSpPr>
+          <p:cNvPr id="2" name="标题 1"/>
+          <p:cNvSpPr>
+            <a:spLocks noGrp="1"/>
+          </p:cNvSpPr>
+          <p:nvPr>
+            <p:ph type="title"/>
+          </p:nvPr>
+        </p:nvSpPr>
+        <p:spPr>
+          <a:xfrm>
+            <a:off x="457200" y="274638"/>
+            <a:ext cx="8229600" cy="582594"/>
+          </a:xfrm>
+        </p:spPr>
+        <p:txBody>
+          <a:bodyPr>
+            <a:normAutofit fontScale="90000"/>
+          </a:bodyPr>
+          <a:lstStyle/>
+          <a:p>
+            <a:r>
+              <a:rPr lang="zh-CN" altLang="en-US" dirty="0"/>
+              <a:t>动画纹理</a:t>
+            </a:r>
+          </a:p>
+        </p:txBody>
+      </p:sp>
+      <p:sp>
+        <p:nvSpPr>
+          <p:cNvPr id="3" name="内容占位符 2"/>
+          <p:cNvSpPr>
+            <a:spLocks noGrp="1"/>
+          </p:cNvSpPr>
+          <p:nvPr>
+            <p:ph idx="1"/>
+          </p:nvPr>
+        </p:nvSpPr>
+        <p:spPr>
+          <a:xfrm>
+            <a:off x="457200" y="908720"/>
+            <a:ext cx="8229600" cy="6663684"/>
+          </a:xfrm>
+        </p:spPr>
+        <p:txBody>
+          <a:bodyPr>
+            <a:normAutofit/>
+          </a:bodyPr>
+          <a:lstStyle/>
+          <a:p>
+            <a:pPr>
+              <a:buNone/>
+            </a:pPr>
+            <a:r>
+              <a:rPr lang="zh-CN" altLang="en-US" dirty="0"/>
+              <a:t>顶点纹理</a:t>
+            </a:r>
+            <a:endParaRPr lang="en-US" altLang="zh-CN" dirty="0"/>
+          </a:p>
+          <a:p>
+            <a:pPr>
+              <a:buNone/>
+            </a:pPr>
+            <a:r>
+              <a:rPr lang="en-US" altLang="zh-CN" dirty="0"/>
+              <a:t>		</a:t>
+            </a:r>
+            <a:r>
+              <a:rPr lang="zh-CN" altLang="en-US" dirty="0"/>
+              <a:t>纹理中存储动画每帧所有</a:t>
+            </a:r>
+            <a:r>
+              <a:rPr lang="zh-CN" altLang="en-US" dirty="0">
+                <a:solidFill>
+                  <a:srgbClr val="00B050"/>
+                </a:solidFill>
+              </a:rPr>
+              <a:t>顶点的位置</a:t>
+            </a:r>
+            <a:r>
+              <a:rPr lang="zh-CN" altLang="en-US" dirty="0"/>
+              <a:t>，着色器中</a:t>
+            </a:r>
+            <a:r>
+              <a:rPr lang="zh-CN" altLang="en-US" dirty="0">
+                <a:solidFill>
+                  <a:srgbClr val="00B050"/>
+                </a:solidFill>
+              </a:rPr>
+              <a:t>不需要计算</a:t>
+            </a:r>
+            <a:r>
+              <a:rPr lang="zh-CN" altLang="en-US" dirty="0"/>
+              <a:t>即可直接拿到顶点位置。缺点是</a:t>
+            </a:r>
+            <a:r>
+              <a:rPr lang="zh-CN" altLang="en-US" dirty="0">
+                <a:solidFill>
+                  <a:srgbClr val="00B050"/>
+                </a:solidFill>
+              </a:rPr>
+              <a:t>没啥灵活度</a:t>
+            </a:r>
+            <a:r>
+              <a:rPr lang="zh-CN" altLang="en-US" dirty="0"/>
+              <a:t>可言，</a:t>
+            </a:r>
+            <a:r>
+              <a:rPr lang="zh-CN" altLang="en-US" dirty="0">
+                <a:solidFill>
+                  <a:srgbClr val="00B050"/>
+                </a:solidFill>
+              </a:rPr>
+              <a:t>纹理尺寸较大</a:t>
+            </a:r>
+            <a:r>
+              <a:rPr lang="zh-CN" altLang="en-US" dirty="0"/>
+              <a:t>，不同模型之间</a:t>
+            </a:r>
+            <a:r>
+              <a:rPr lang="zh-CN" altLang="en-US" dirty="0">
+                <a:solidFill>
+                  <a:srgbClr val="00B050"/>
+                </a:solidFill>
+              </a:rPr>
+              <a:t>纹理不能复用</a:t>
+            </a:r>
+            <a:r>
+              <a:rPr lang="zh-CN" altLang="en-US" dirty="0"/>
+              <a:t>；但</a:t>
+            </a:r>
+            <a:r>
+              <a:rPr lang="zh-CN" altLang="en-US" dirty="0">
+                <a:solidFill>
+                  <a:srgbClr val="00B050"/>
+                </a:solidFill>
+              </a:rPr>
+              <a:t>性能很好</a:t>
+            </a:r>
+            <a:r>
+              <a:rPr lang="zh-CN" altLang="en-US" dirty="0"/>
+              <a:t>。</a:t>
+            </a:r>
+            <a:endParaRPr lang="en-US" altLang="zh-CN" dirty="0"/>
+          </a:p>
+          <a:p>
+            <a:pPr lvl="4">
+              <a:buNone/>
+            </a:pPr>
+            <a:r>
+              <a:rPr lang="en-US" altLang="zh-CN" dirty="0"/>
+              <a:t>		</a:t>
+            </a:r>
+          </a:p>
+          <a:p>
+            <a:pPr>
+              <a:buNone/>
+            </a:pPr>
+            <a:r>
+              <a:rPr lang="en-US" altLang="zh-CN" dirty="0"/>
+              <a:t>		      </a:t>
+            </a:r>
+          </a:p>
+          <a:p>
+            <a:endParaRPr lang="en-US" altLang="zh-CN" dirty="0"/>
+          </a:p>
+          <a:p>
+            <a:endParaRPr lang="en-US" altLang="zh-CN" dirty="0"/>
+          </a:p>
+          <a:p>
+            <a:endParaRPr lang="zh-CN" altLang="en-US" dirty="0"/>
+          </a:p>
+        </p:txBody>
+      </p:sp>
+    </p:spTree>
+  </p:cSld>
+  <p:clrMapOvr>
+    <a:masterClrMapping/>
+  </p:clrMapOvr>
+</p:sld>
+</file>
+
+<file path=ppt/slides/slide16.xml><?xml version="1.0" encoding="utf-8"?>
+<p:sld xmlns:a="http://schemas.openxmlformats.org/drawingml/2006/main" xmlns:r="http://schemas.openxmlformats.org/officeDocument/2006/relationships" xmlns:p="http://schemas.openxmlformats.org/presentationml/2006/main">
+  <p:cSld>
+    <p:spTree>
+      <p:nvGrpSpPr>
+        <p:cNvPr id="1" name=""/>
+        <p:cNvGrpSpPr/>
+        <p:nvPr/>
+      </p:nvGrpSpPr>
+      <p:grpSpPr>
+        <a:xfrm>
+          <a:off x="0" y="0"/>
+          <a:ext cx="0" cy="0"/>
+          <a:chOff x="0" y="0"/>
+          <a:chExt cx="0" cy="0"/>
+        </a:xfrm>
+      </p:grpSpPr>
+      <p:sp>
+        <p:nvSpPr>
+          <p:cNvPr id="2" name="标题 1"/>
+          <p:cNvSpPr>
+            <a:spLocks noGrp="1"/>
+          </p:cNvSpPr>
+          <p:nvPr>
+            <p:ph type="title"/>
+          </p:nvPr>
+        </p:nvSpPr>
+        <p:spPr>
+          <a:xfrm>
+            <a:off x="457200" y="274638"/>
+            <a:ext cx="8229600" cy="582594"/>
+          </a:xfrm>
+        </p:spPr>
+        <p:txBody>
+          <a:bodyPr>
+            <a:normAutofit fontScale="90000"/>
+          </a:bodyPr>
+          <a:lstStyle/>
+          <a:p>
+            <a:r>
+              <a:rPr lang="zh-CN" altLang="en-US" dirty="0"/>
+              <a:t>动画纹理</a:t>
+            </a:r>
+          </a:p>
+        </p:txBody>
+      </p:sp>
+      <p:sp>
+        <p:nvSpPr>
+          <p:cNvPr id="3" name="内容占位符 2"/>
+          <p:cNvSpPr>
+            <a:spLocks noGrp="1"/>
+          </p:cNvSpPr>
+          <p:nvPr>
+            <p:ph idx="1"/>
+          </p:nvPr>
+        </p:nvSpPr>
+        <p:spPr>
+          <a:xfrm>
+            <a:off x="457200" y="928670"/>
+            <a:ext cx="8229600" cy="5715039"/>
+          </a:xfrm>
+        </p:spPr>
+        <p:txBody>
+          <a:bodyPr>
+            <a:normAutofit/>
+          </a:bodyPr>
+          <a:lstStyle/>
+          <a:p>
+            <a:pPr>
+              <a:buNone/>
+            </a:pPr>
+            <a:r>
+              <a:rPr lang="zh-CN" altLang="en-US" dirty="0"/>
+              <a:t>骨骼动画的计算</a:t>
+            </a:r>
+            <a:r>
+              <a:rPr lang="en-US" altLang="zh-CN" dirty="0"/>
+              <a:t>	</a:t>
+            </a:r>
+          </a:p>
+          <a:p>
+            <a:pPr>
+              <a:buNone/>
+            </a:pPr>
+            <a:endParaRPr lang="en-US" altLang="zh-CN" dirty="0"/>
+          </a:p>
+          <a:p>
+            <a:pPr>
+              <a:buNone/>
+            </a:pPr>
+            <a:endParaRPr lang="en-US" altLang="zh-CN" dirty="0"/>
+          </a:p>
+          <a:p>
+            <a:pPr>
+              <a:buNone/>
+            </a:pPr>
+            <a:r>
+              <a:rPr lang="zh-CN" altLang="en-US" dirty="0"/>
+              <a:t>蒙皮公式：</a:t>
+            </a:r>
+            <a:r>
+              <a:rPr lang="en-US" altLang="zh-CN" dirty="0"/>
+              <a:t>	</a:t>
+            </a:r>
+          </a:p>
+          <a:p>
+            <a:pPr>
+              <a:buNone/>
+            </a:pPr>
+            <a:r>
+              <a:rPr lang="en-US" altLang="zh-CN" dirty="0"/>
+              <a:t>	</a:t>
+            </a:r>
+            <a:r>
+              <a:rPr lang="zh-CN" altLang="en-US" dirty="0"/>
+              <a:t>顶点位置 </a:t>
+            </a:r>
+            <a:r>
+              <a:rPr lang="en-US" altLang="zh-CN" dirty="0"/>
+              <a:t>= (</a:t>
+            </a:r>
+            <a:r>
+              <a:rPr lang="zh-CN" altLang="en-US" dirty="0"/>
+              <a:t>骨骼矩阵</a:t>
+            </a:r>
+            <a:r>
+              <a:rPr lang="en-US" altLang="zh-CN" dirty="0"/>
+              <a:t>1*</a:t>
+            </a:r>
+            <a:r>
+              <a:rPr lang="zh-CN" altLang="en-US" dirty="0"/>
+              <a:t>骨骼权重</a:t>
+            </a:r>
+            <a:r>
+              <a:rPr lang="en-US" altLang="zh-CN" dirty="0"/>
+              <a:t>1+</a:t>
+            </a:r>
+            <a:r>
+              <a:rPr lang="zh-CN" altLang="en-US" dirty="0"/>
+              <a:t>骨骼矩</a:t>
+            </a:r>
+            <a:r>
+              <a:rPr lang="en-US" altLang="zh-CN" dirty="0"/>
+              <a:t>	</a:t>
+            </a:r>
+            <a:r>
+              <a:rPr lang="zh-CN" altLang="en-US" dirty="0"/>
+              <a:t>阵</a:t>
+            </a:r>
+            <a:r>
+              <a:rPr lang="en-US" altLang="zh-CN" dirty="0"/>
+              <a:t>2</a:t>
+            </a:r>
+            <a:r>
+              <a:rPr lang="zh-CN" altLang="en-US" dirty="0"/>
+              <a:t>*骨骼权重</a:t>
+            </a:r>
+            <a:r>
+              <a:rPr lang="en-US" altLang="zh-CN" dirty="0"/>
+              <a:t>2+</a:t>
+            </a:r>
+            <a:r>
+              <a:rPr lang="zh-CN" altLang="en-US" dirty="0"/>
+              <a:t>骨骼矩阵</a:t>
+            </a:r>
+            <a:r>
+              <a:rPr lang="en-US" altLang="zh-CN" dirty="0"/>
+              <a:t>3</a:t>
+            </a:r>
+            <a:r>
+              <a:rPr lang="zh-CN" altLang="en-US" dirty="0"/>
+              <a:t>*骨骼权重</a:t>
+            </a:r>
+            <a:r>
+              <a:rPr lang="en-US" altLang="zh-CN" dirty="0"/>
+              <a:t>3</a:t>
+            </a:r>
+          </a:p>
+          <a:p>
+            <a:pPr>
+              <a:buNone/>
+            </a:pPr>
+            <a:r>
+              <a:rPr lang="en-US" altLang="zh-CN" dirty="0"/>
+              <a:t>		+</a:t>
+            </a:r>
+            <a:r>
+              <a:rPr lang="zh-CN" altLang="en-US" dirty="0"/>
+              <a:t>骨骼矩阵</a:t>
+            </a:r>
+            <a:r>
+              <a:rPr lang="en-US" altLang="zh-CN" dirty="0"/>
+              <a:t>4</a:t>
+            </a:r>
+            <a:r>
+              <a:rPr lang="zh-CN" altLang="en-US" dirty="0"/>
+              <a:t>*骨骼权重</a:t>
+            </a:r>
+            <a:r>
+              <a:rPr lang="en-US" altLang="zh-CN" dirty="0"/>
+              <a:t>4)*</a:t>
+            </a:r>
+            <a:r>
+              <a:rPr lang="zh-CN" altLang="en-US" dirty="0"/>
+              <a:t>模型顶点位置</a:t>
+            </a:r>
+            <a:endParaRPr lang="en-US" altLang="zh-CN" dirty="0"/>
+          </a:p>
+          <a:p>
+            <a:pPr>
+              <a:buNone/>
+            </a:pPr>
+            <a:endParaRPr lang="en-US" altLang="zh-CN" dirty="0"/>
+          </a:p>
+          <a:p>
+            <a:pPr>
+              <a:buNone/>
+            </a:pPr>
+            <a:endParaRPr lang="en-US" altLang="zh-CN" dirty="0"/>
+          </a:p>
+          <a:p>
+            <a:pPr>
+              <a:buNone/>
+            </a:pPr>
+            <a:r>
+              <a:rPr lang="en-US" altLang="zh-CN" dirty="0"/>
+              <a:t>	</a:t>
+            </a:r>
+          </a:p>
+          <a:p>
+            <a:endParaRPr lang="en-US" altLang="zh-CN" dirty="0"/>
+          </a:p>
+          <a:p>
+            <a:endParaRPr lang="zh-CN" altLang="en-US" dirty="0"/>
+          </a:p>
+        </p:txBody>
+      </p:sp>
+    </p:spTree>
+    <p:extLst>
+      <p:ext uri="{BB962C8B-B14F-4D97-AF65-F5344CB8AC3E}">
+        <p14:creationId xmlns:p14="http://schemas.microsoft.com/office/powerpoint/2010/main" val="2614632239"/>
+      </p:ext>
+    </p:extLst>
+  </p:cSld>
+  <p:clrMapOvr>
+    <a:masterClrMapping/>
+  </p:clrMapOvr>
+</p:sld>
+</file>
+
+<file path=ppt/slides/slide17.xml><?xml version="1.0" encoding="utf-8"?>
+<p:sld xmlns:a="http://schemas.openxmlformats.org/drawingml/2006/main" xmlns:r="http://schemas.openxmlformats.org/officeDocument/2006/relationships" xmlns:p="http://schemas.openxmlformats.org/presentationml/2006/main">
+  <p:cSld>
+    <p:spTree>
+      <p:nvGrpSpPr>
+        <p:cNvPr id="1" name=""/>
+        <p:cNvGrpSpPr/>
+        <p:nvPr/>
+      </p:nvGrpSpPr>
+      <p:grpSpPr>
+        <a:xfrm>
+          <a:off x="0" y="0"/>
+          <a:ext cx="0" cy="0"/>
+          <a:chOff x="0" y="0"/>
+          <a:chExt cx="0" cy="0"/>
+        </a:xfrm>
+      </p:grpSpPr>
+      <p:sp>
+        <p:nvSpPr>
+          <p:cNvPr id="2" name="标题 1"/>
+          <p:cNvSpPr>
+            <a:spLocks noGrp="1"/>
+          </p:cNvSpPr>
+          <p:nvPr>
+            <p:ph type="title"/>
+          </p:nvPr>
+        </p:nvSpPr>
+        <p:spPr>
+          <a:xfrm>
+            <a:off x="457200" y="274638"/>
+            <a:ext cx="8229600" cy="582594"/>
+          </a:xfrm>
+        </p:spPr>
+        <p:txBody>
+          <a:bodyPr>
+            <a:normAutofit fontScale="90000"/>
+          </a:bodyPr>
+          <a:lstStyle/>
+          <a:p>
+            <a:r>
+              <a:rPr lang="zh-CN" altLang="en-US" dirty="0"/>
+              <a:t>动画纹理</a:t>
+            </a:r>
+          </a:p>
+        </p:txBody>
+      </p:sp>
+      <p:sp>
+        <p:nvSpPr>
+          <p:cNvPr id="3" name="内容占位符 2"/>
+          <p:cNvSpPr>
+            <a:spLocks noGrp="1"/>
+          </p:cNvSpPr>
+          <p:nvPr>
+            <p:ph idx="1"/>
+          </p:nvPr>
+        </p:nvSpPr>
+        <p:spPr>
+          <a:xfrm>
+            <a:off x="457200" y="928670"/>
+            <a:ext cx="8229600" cy="5715039"/>
+          </a:xfrm>
+        </p:spPr>
+        <p:txBody>
+          <a:bodyPr>
+            <a:normAutofit/>
+          </a:bodyPr>
+          <a:lstStyle/>
+          <a:p>
+            <a:pPr>
+              <a:buNone/>
+            </a:pPr>
+            <a:r>
+              <a:rPr lang="zh-CN" altLang="en-US" dirty="0"/>
+              <a:t>用</a:t>
+            </a:r>
+            <a:r>
+              <a:rPr lang="en-US" altLang="zh-CN" dirty="0"/>
+              <a:t>RGB24</a:t>
+            </a:r>
+            <a:r>
+              <a:rPr lang="zh-CN" altLang="en-US" dirty="0"/>
+              <a:t>代替</a:t>
+            </a:r>
+            <a:r>
+              <a:rPr lang="en-US" altLang="zh-CN" dirty="0" err="1"/>
+              <a:t>RGBHalf</a:t>
+            </a:r>
+            <a:endParaRPr lang="en-US" altLang="zh-CN" dirty="0"/>
+          </a:p>
+          <a:p>
+            <a:pPr>
+              <a:buNone/>
+            </a:pPr>
+            <a:r>
+              <a:rPr lang="en-US" altLang="zh-CN" dirty="0"/>
+              <a:t>		</a:t>
+            </a:r>
+            <a:r>
+              <a:rPr lang="zh-CN" altLang="en-US" dirty="0"/>
+              <a:t>原理：用两个像素的</a:t>
+            </a:r>
+            <a:r>
+              <a:rPr lang="en-US" altLang="zh-CN" dirty="0"/>
+              <a:t>RGB24</a:t>
+            </a:r>
+            <a:r>
+              <a:rPr lang="zh-CN" altLang="en-US" dirty="0"/>
+              <a:t>去合成一个像素的</a:t>
+            </a:r>
+            <a:r>
+              <a:rPr lang="en-US" altLang="zh-CN" dirty="0" err="1"/>
+              <a:t>RGBHalf</a:t>
+            </a:r>
+            <a:r>
+              <a:rPr lang="zh-CN" altLang="en-US" dirty="0"/>
+              <a:t>的数据。</a:t>
+            </a:r>
+            <a:endParaRPr lang="en-US" altLang="zh-CN" dirty="0"/>
+          </a:p>
+          <a:p>
+            <a:pPr lvl="4">
+              <a:buNone/>
+            </a:pPr>
+            <a:r>
+              <a:rPr lang="en-US" altLang="zh-CN" dirty="0"/>
+              <a:t>		</a:t>
+            </a:r>
+          </a:p>
+          <a:p>
+            <a:pPr>
+              <a:buNone/>
+            </a:pPr>
+            <a:r>
+              <a:rPr lang="en-US" altLang="zh-CN" dirty="0"/>
+              <a:t>	</a:t>
+            </a:r>
+          </a:p>
+          <a:p>
+            <a:endParaRPr lang="en-US" altLang="zh-CN" dirty="0"/>
+          </a:p>
+          <a:p>
+            <a:endParaRPr lang="zh-CN" altLang="en-US" dirty="0"/>
+          </a:p>
+        </p:txBody>
+      </p:sp>
+      <p:pic>
+        <p:nvPicPr>
+          <p:cNvPr id="5" name="图片 4">
+            <a:extLst>
+              <a:ext uri="{FF2B5EF4-FFF2-40B4-BE49-F238E27FC236}">
+                <a16:creationId xmlns:a16="http://schemas.microsoft.com/office/drawing/2014/main" id="{6324EB4A-FA66-4D70-AD5D-7A56D6126F04}"/>
+              </a:ext>
+            </a:extLst>
+          </p:cNvPr>
+          <p:cNvPicPr>
+            <a:picLocks noChangeAspect="1"/>
+          </p:cNvPicPr>
+          <p:nvPr/>
+        </p:nvPicPr>
+        <p:blipFill>
+          <a:blip r:embed="rId2">
+            <a:extLst>
+              <a:ext uri="{28A0092B-C50C-407E-A947-70E740481C1C}">
+                <a14:useLocalDpi xmlns:a14="http://schemas.microsoft.com/office/drawing/2010/main" val="0"/>
+              </a:ext>
+            </a:extLst>
+          </a:blip>
+          <a:stretch>
+            <a:fillRect/>
+          </a:stretch>
+        </p:blipFill>
+        <p:spPr>
+          <a:xfrm>
+            <a:off x="657580" y="3212976"/>
+            <a:ext cx="7828840" cy="1440160"/>
+          </a:xfrm>
+          <a:prstGeom prst="rect">
+            <a:avLst/>
+          </a:prstGeom>
+        </p:spPr>
+      </p:pic>
+    </p:spTree>
+    <p:extLst>
+      <p:ext uri="{BB962C8B-B14F-4D97-AF65-F5344CB8AC3E}">
+        <p14:creationId xmlns:p14="http://schemas.microsoft.com/office/powerpoint/2010/main" val="413705506"/>
+      </p:ext>
+    </p:extLst>
+  </p:cSld>
+  <p:clrMapOvr>
+    <a:masterClrMapping/>
+  </p:clrMapOvr>
+</p:sld>
+</file>
+
+<file path=ppt/slides/slide18.xml><?xml version="1.0" encoding="utf-8"?>
+<p:sld xmlns:a="http://schemas.openxmlformats.org/drawingml/2006/main" xmlns:r="http://schemas.openxmlformats.org/officeDocument/2006/relationships" xmlns:p="http://schemas.openxmlformats.org/presentationml/2006/main">
+  <p:cSld>
+    <p:spTree>
+      <p:nvGrpSpPr>
+        <p:cNvPr id="1" name=""/>
+        <p:cNvGrpSpPr/>
+        <p:nvPr/>
+      </p:nvGrpSpPr>
+      <p:grpSpPr>
+        <a:xfrm>
+          <a:off x="0" y="0"/>
+          <a:ext cx="0" cy="0"/>
+          <a:chOff x="0" y="0"/>
+          <a:chExt cx="0" cy="0"/>
+        </a:xfrm>
+      </p:grpSpPr>
+      <p:sp>
+        <p:nvSpPr>
+          <p:cNvPr id="2" name="标题 1"/>
+          <p:cNvSpPr>
+            <a:spLocks noGrp="1"/>
+          </p:cNvSpPr>
+          <p:nvPr>
+            <p:ph type="title"/>
+          </p:nvPr>
+        </p:nvSpPr>
+        <p:spPr>
+          <a:xfrm>
+            <a:off x="457200" y="274638"/>
+            <a:ext cx="8229600" cy="582594"/>
+          </a:xfrm>
+        </p:spPr>
+        <p:txBody>
+          <a:bodyPr>
+            <a:normAutofit fontScale="90000"/>
+          </a:bodyPr>
+          <a:lstStyle/>
+          <a:p>
+            <a:r>
+              <a:rPr lang="zh-CN" altLang="en-US" dirty="0"/>
+              <a:t>动画纹理</a:t>
+            </a:r>
+          </a:p>
+        </p:txBody>
+      </p:sp>
+      <p:sp>
+        <p:nvSpPr>
+          <p:cNvPr id="3" name="内容占位符 2"/>
+          <p:cNvSpPr>
+            <a:spLocks noGrp="1"/>
+          </p:cNvSpPr>
+          <p:nvPr>
+            <p:ph idx="1"/>
+          </p:nvPr>
+        </p:nvSpPr>
+        <p:spPr>
+          <a:xfrm>
+            <a:off x="457200" y="928670"/>
+            <a:ext cx="8229600" cy="5715039"/>
+          </a:xfrm>
+        </p:spPr>
+        <p:txBody>
+          <a:bodyPr>
+            <a:normAutofit/>
+          </a:bodyPr>
+          <a:lstStyle/>
+          <a:p>
+            <a:pPr>
+              <a:buNone/>
+            </a:pPr>
+            <a:r>
+              <a:rPr lang="zh-CN" altLang="en-US" dirty="0"/>
+              <a:t>用</a:t>
+            </a:r>
+            <a:r>
+              <a:rPr lang="en-US" altLang="zh-CN" dirty="0"/>
+              <a:t>RGB24</a:t>
+            </a:r>
+            <a:r>
+              <a:rPr lang="zh-CN" altLang="en-US" dirty="0"/>
+              <a:t>代替</a:t>
+            </a:r>
+            <a:r>
+              <a:rPr lang="en-US" altLang="zh-CN" dirty="0" err="1"/>
+              <a:t>RGBHalf</a:t>
+            </a:r>
+            <a:endParaRPr lang="en-US" altLang="zh-CN" dirty="0"/>
+          </a:p>
+          <a:p>
+            <a:pPr>
+              <a:buNone/>
+            </a:pPr>
+            <a:r>
+              <a:rPr lang="en-US" altLang="zh-CN" dirty="0"/>
+              <a:t>Code:		</a:t>
+            </a:r>
+            <a:endParaRPr lang="zh-CN" altLang="en-US" dirty="0"/>
+          </a:p>
+        </p:txBody>
+      </p:sp>
+      <p:pic>
+        <p:nvPicPr>
+          <p:cNvPr id="4" name="图片 3">
+            <a:extLst>
+              <a:ext uri="{FF2B5EF4-FFF2-40B4-BE49-F238E27FC236}">
+                <a16:creationId xmlns:a16="http://schemas.microsoft.com/office/drawing/2014/main" id="{4D09FEC3-40EC-4030-9F41-2D658F5E7420}"/>
+              </a:ext>
+            </a:extLst>
+          </p:cNvPr>
+          <p:cNvPicPr>
+            <a:picLocks noChangeAspect="1"/>
+          </p:cNvPicPr>
+          <p:nvPr/>
+        </p:nvPicPr>
+        <p:blipFill>
+          <a:blip r:embed="rId2"/>
+          <a:stretch>
+            <a:fillRect/>
+          </a:stretch>
+        </p:blipFill>
+        <p:spPr>
+          <a:xfrm>
+            <a:off x="1187624" y="2204864"/>
+            <a:ext cx="7043894" cy="4032448"/>
+          </a:xfrm>
+          <a:prstGeom prst="rect">
+            <a:avLst/>
+          </a:prstGeom>
+        </p:spPr>
+      </p:pic>
+    </p:spTree>
+    <p:extLst>
+      <p:ext uri="{BB962C8B-B14F-4D97-AF65-F5344CB8AC3E}">
+        <p14:creationId xmlns:p14="http://schemas.microsoft.com/office/powerpoint/2010/main" val="2662018869"/>
+      </p:ext>
+    </p:extLst>
+  </p:cSld>
+  <p:clrMapOvr>
+    <a:masterClrMapping/>
+  </p:clrMapOvr>
+</p:sld>
+</file>
+
+<file path=ppt/slides/slide19.xml><?xml version="1.0" encoding="utf-8"?>
+<p:sld xmlns:a="http://schemas.openxmlformats.org/drawingml/2006/main" xmlns:r="http://schemas.openxmlformats.org/officeDocument/2006/relationships" xmlns:p="http://schemas.openxmlformats.org/presentationml/2006/main">
+  <p:cSld>
+    <p:spTree>
+      <p:nvGrpSpPr>
+        <p:cNvPr id="1" name=""/>
+        <p:cNvGrpSpPr/>
+        <p:nvPr/>
+      </p:nvGrpSpPr>
+      <p:grpSpPr>
+        <a:xfrm>
+          <a:off x="0" y="0"/>
+          <a:ext cx="0" cy="0"/>
+          <a:chOff x="0" y="0"/>
+          <a:chExt cx="0" cy="0"/>
+        </a:xfrm>
+      </p:grpSpPr>
+      <p:sp>
+        <p:nvSpPr>
+          <p:cNvPr id="2" name="标题 1"/>
+          <p:cNvSpPr>
+            <a:spLocks noGrp="1"/>
+          </p:cNvSpPr>
+          <p:nvPr>
+            <p:ph type="title"/>
+          </p:nvPr>
+        </p:nvSpPr>
+        <p:spPr>
+          <a:xfrm>
+            <a:off x="457200" y="274638"/>
+            <a:ext cx="8229600" cy="582594"/>
+          </a:xfrm>
+        </p:spPr>
+        <p:txBody>
+          <a:bodyPr>
+            <a:normAutofit fontScale="90000"/>
+          </a:bodyPr>
+          <a:lstStyle/>
+          <a:p>
+            <a:r>
+              <a:rPr lang="zh-CN" altLang="en-US" dirty="0"/>
+              <a:t>动画纹理</a:t>
+            </a:r>
+          </a:p>
+        </p:txBody>
+      </p:sp>
+      <p:sp>
+        <p:nvSpPr>
+          <p:cNvPr id="3" name="内容占位符 2"/>
+          <p:cNvSpPr>
+            <a:spLocks noGrp="1"/>
+          </p:cNvSpPr>
+          <p:nvPr>
+            <p:ph idx="1"/>
+          </p:nvPr>
+        </p:nvSpPr>
+        <p:spPr>
+          <a:xfrm>
+            <a:off x="457200" y="928670"/>
+            <a:ext cx="8229600" cy="5715039"/>
+          </a:xfrm>
+        </p:spPr>
+        <p:txBody>
+          <a:bodyPr>
+            <a:normAutofit/>
+          </a:bodyPr>
+          <a:lstStyle/>
+          <a:p>
+            <a:pPr>
+              <a:buNone/>
+            </a:pPr>
+            <a:r>
+              <a:rPr lang="zh-CN" altLang="en-US" dirty="0"/>
+              <a:t>顶点纹理</a:t>
+            </a:r>
+            <a:r>
+              <a:rPr lang="en-US" altLang="zh-CN" dirty="0"/>
+              <a:t>	</a:t>
+            </a:r>
+          </a:p>
+          <a:p>
+            <a:pPr>
+              <a:buNone/>
+            </a:pPr>
+            <a:r>
+              <a:rPr lang="en-US" altLang="zh-CN" dirty="0"/>
+              <a:t>Code</a:t>
+            </a:r>
+            <a:r>
+              <a:rPr lang="zh-CN" altLang="en-US" dirty="0"/>
+              <a:t>：</a:t>
+            </a:r>
+            <a:endParaRPr lang="en-US" altLang="zh-CN" dirty="0"/>
+          </a:p>
+          <a:p>
+            <a:pPr>
+              <a:buNone/>
+            </a:pPr>
+            <a:endParaRPr lang="en-US" altLang="zh-CN" dirty="0"/>
+          </a:p>
+          <a:p>
+            <a:pPr>
+              <a:buNone/>
+            </a:pPr>
+            <a:endParaRPr lang="en-US" altLang="zh-CN" dirty="0"/>
+          </a:p>
+          <a:p>
+            <a:pPr>
+              <a:buNone/>
+            </a:pPr>
+            <a:endParaRPr lang="en-US" altLang="zh-CN" dirty="0"/>
+          </a:p>
+          <a:p>
+            <a:pPr>
+              <a:buNone/>
+            </a:pPr>
+            <a:r>
+              <a:rPr lang="en-US" altLang="zh-CN" dirty="0"/>
+              <a:t>	</a:t>
+            </a:r>
+          </a:p>
+          <a:p>
+            <a:endParaRPr lang="en-US" altLang="zh-CN" dirty="0"/>
+          </a:p>
+          <a:p>
+            <a:endParaRPr lang="zh-CN" altLang="en-US" dirty="0"/>
+          </a:p>
+        </p:txBody>
+      </p:sp>
+      <p:pic>
+        <p:nvPicPr>
+          <p:cNvPr id="4" name="图片 3">
+            <a:extLst>
+              <a:ext uri="{FF2B5EF4-FFF2-40B4-BE49-F238E27FC236}">
+                <a16:creationId xmlns:a16="http://schemas.microsoft.com/office/drawing/2014/main" id="{8C70C98A-F36F-45BE-B6EA-0F2F29532E74}"/>
+              </a:ext>
+            </a:extLst>
+          </p:cNvPr>
+          <p:cNvPicPr>
+            <a:picLocks noChangeAspect="1"/>
+          </p:cNvPicPr>
+          <p:nvPr/>
+        </p:nvPicPr>
+        <p:blipFill>
+          <a:blip r:embed="rId2"/>
+          <a:stretch>
+            <a:fillRect/>
+          </a:stretch>
+        </p:blipFill>
+        <p:spPr>
+          <a:xfrm>
+            <a:off x="216636" y="2204864"/>
+            <a:ext cx="8710728" cy="2232248"/>
+          </a:xfrm>
+          <a:prstGeom prst="rect">
+            <a:avLst/>
+          </a:prstGeom>
+        </p:spPr>
+      </p:pic>
+    </p:spTree>
+    <p:extLst>
+      <p:ext uri="{BB962C8B-B14F-4D97-AF65-F5344CB8AC3E}">
+        <p14:creationId xmlns:p14="http://schemas.microsoft.com/office/powerpoint/2010/main" val="1240359438"/>
+      </p:ext>
+    </p:extLst>
+  </p:cSld>
+  <p:clrMapOvr>
+    <a:masterClrMapping/>
+  </p:clrMapOvr>
 </p:sld>
 </file>
 
@@ -3816,14 +5697,9 @@
           <a:lstStyle/>
           <a:p>
             <a:r>
-              <a:rPr lang="zh-CN" altLang="en-US" dirty="0" smtClean="0"/>
-              <a:t>程序</a:t>
-            </a:r>
-            <a:r>
-              <a:rPr lang="zh-CN" altLang="en-US" dirty="0" smtClean="0"/>
-              <a:t>纹理</a:t>
-            </a:r>
-            <a:endParaRPr lang="zh-CN" altLang="en-US" dirty="0"/>
+              <a:rPr lang="zh-CN" altLang="en-US" dirty="0"/>
+              <a:t>程序纹理</a:t>
+            </a:r>
           </a:p>
         </p:txBody>
       </p:sp>
@@ -3853,32 +5729,44 @@
               <a:buNone/>
             </a:pPr>
             <a:r>
-              <a:rPr lang="zh-CN" altLang="en-US" dirty="0" smtClean="0"/>
+              <a:rPr lang="zh-CN" altLang="en-US" dirty="0"/>
               <a:t>什么是程序纹理？</a:t>
             </a:r>
-            <a:endParaRPr lang="en-US" altLang="zh-CN" dirty="0" smtClean="0"/>
-          </a:p>
-          <a:p>
-            <a:r>
-              <a:rPr lang="zh-CN" altLang="en-US" dirty="0" smtClean="0"/>
+            <a:endParaRPr lang="en-US" altLang="zh-CN" dirty="0"/>
+          </a:p>
+          <a:p>
+            <a:r>
+              <a:rPr lang="zh-CN" altLang="en-US" dirty="0"/>
               <a:t>程序纹理</a:t>
             </a:r>
             <a:r>
-              <a:rPr lang="en-US" altLang="zh-CN" dirty="0" smtClean="0"/>
+              <a:rPr lang="en-US" altLang="zh-CN" dirty="0"/>
               <a:t>(Procedural Texture)</a:t>
             </a:r>
             <a:r>
-              <a:rPr lang="zh-CN" altLang="en-US" dirty="0" smtClean="0"/>
-              <a:t>指的是那些由计算机生成的图像，我们通常使用一些特定的算法来创建个性化图案或非常真实的自然元素，例如木头、石子等。</a:t>
-            </a:r>
-            <a:endParaRPr lang="en-US" altLang="zh-CN" dirty="0" smtClean="0"/>
+              <a:rPr lang="zh-CN" altLang="en-US" dirty="0"/>
+              <a:t>指的是那些</a:t>
+            </a:r>
+            <a:r>
+              <a:rPr lang="zh-CN" altLang="en-US" dirty="0">
+                <a:solidFill>
+                  <a:srgbClr val="00B050"/>
+                </a:solidFill>
+              </a:rPr>
+              <a:t>由计算机生成的图像</a:t>
+            </a:r>
+            <a:r>
+              <a:rPr lang="zh-CN" altLang="en-US" dirty="0"/>
+              <a:t>，我们通常使用一些特定的算法来创建个性化图案或非常真实的自然元素，例如木头、石子等。</a:t>
+            </a:r>
+            <a:endParaRPr lang="en-US" altLang="zh-CN" dirty="0"/>
           </a:p>
           <a:p>
             <a:pPr lvl="4">
               <a:buNone/>
             </a:pPr>
             <a:r>
-              <a:rPr lang="en-US" altLang="zh-CN" dirty="0" smtClean="0"/>
+              <a:rPr lang="en-US" altLang="zh-CN" dirty="0"/>
               <a:t>		</a:t>
             </a:r>
           </a:p>
@@ -3887,15 +5775,15 @@
               <a:buNone/>
             </a:pPr>
             <a:r>
-              <a:rPr lang="en-US" altLang="zh-CN" dirty="0" smtClean="0"/>
+              <a:rPr lang="en-US" altLang="zh-CN" dirty="0"/>
               <a:t>		      </a:t>
             </a:r>
           </a:p>
           <a:p>
-            <a:endParaRPr lang="en-US" altLang="zh-CN" dirty="0" smtClean="0"/>
-          </a:p>
-          <a:p>
-            <a:endParaRPr lang="en-US" altLang="zh-CN" dirty="0" smtClean="0"/>
+            <a:endParaRPr lang="en-US" altLang="zh-CN" dirty="0"/>
+          </a:p>
+          <a:p>
+            <a:endParaRPr lang="en-US" altLang="zh-CN" dirty="0"/>
           </a:p>
           <a:p>
             <a:endParaRPr lang="zh-CN" altLang="en-US" dirty="0"/>
@@ -3907,13 +5795,6 @@
   <p:clrMapOvr>
     <a:masterClrMapping/>
   </p:clrMapOvr>
-  <p:timing>
-    <p:tnLst>
-      <p:par>
-        <p:cTn id="1" dur="indefinite" restart="never" nodeType="tmRoot"/>
-      </p:par>
-    </p:tnLst>
-  </p:timing>
 </p:sld>
 </file>
 
@@ -3957,14 +5838,9 @@
           <a:lstStyle/>
           <a:p>
             <a:r>
-              <a:rPr lang="zh-CN" altLang="en-US" dirty="0" smtClean="0"/>
-              <a:t>程序</a:t>
-            </a:r>
-            <a:r>
-              <a:rPr lang="zh-CN" altLang="en-US" dirty="0" smtClean="0"/>
-              <a:t>纹理</a:t>
-            </a:r>
-            <a:endParaRPr lang="zh-CN" altLang="en-US" dirty="0"/>
+              <a:rPr lang="zh-CN" altLang="en-US" dirty="0"/>
+              <a:t>程序纹理</a:t>
+            </a:r>
           </a:p>
         </p:txBody>
       </p:sp>
@@ -3994,38 +5870,65 @@
               <a:buNone/>
             </a:pPr>
             <a:r>
-              <a:rPr lang="zh-CN" altLang="en-US" dirty="0" smtClean="0"/>
+              <a:rPr lang="zh-CN" altLang="en-US" dirty="0"/>
               <a:t>实际应用场景</a:t>
             </a:r>
-            <a:endParaRPr lang="en-US" altLang="zh-CN" dirty="0" smtClean="0"/>
-          </a:p>
-          <a:p>
-            <a:r>
-              <a:rPr lang="zh-CN" altLang="en-US" dirty="0" smtClean="0"/>
-              <a:t>战争迷雾</a:t>
-            </a:r>
-            <a:endParaRPr lang="en-US" altLang="zh-CN" dirty="0" smtClean="0"/>
-          </a:p>
-          <a:p>
-            <a:r>
-              <a:rPr lang="zh-CN" altLang="en-US" dirty="0" smtClean="0"/>
+            <a:endParaRPr lang="en-US" altLang="zh-CN" dirty="0"/>
+          </a:p>
+          <a:p>
+            <a:r>
+              <a:rPr lang="zh-CN" altLang="en-US" dirty="0"/>
+              <a:t>战争迷雾 </a:t>
+            </a:r>
+            <a:r>
+              <a:rPr lang="en-US" altLang="zh-CN" dirty="0"/>
+              <a:t>(</a:t>
+            </a:r>
+            <a:r>
+              <a:rPr lang="zh-CN" altLang="en-US" dirty="0"/>
+              <a:t>暂时不用，原理和边界线差不多</a:t>
+            </a:r>
+            <a:r>
+              <a:rPr lang="en-US" altLang="zh-CN" dirty="0"/>
+              <a:t>)</a:t>
+            </a:r>
+          </a:p>
+          <a:p>
+            <a:r>
+              <a:rPr lang="zh-CN" altLang="en-US" dirty="0">
+                <a:solidFill>
+                  <a:srgbClr val="00B050"/>
+                </a:solidFill>
+              </a:rPr>
               <a:t>边界线</a:t>
             </a:r>
-            <a:endParaRPr lang="en-US" altLang="zh-CN" dirty="0" smtClean="0"/>
-          </a:p>
-          <a:p>
-            <a:r>
-              <a:rPr lang="zh-CN" altLang="en-US" dirty="0" smtClean="0"/>
+            <a:endParaRPr lang="en-US" altLang="zh-CN" dirty="0">
+              <a:solidFill>
+                <a:srgbClr val="00B050"/>
+              </a:solidFill>
+            </a:endParaRPr>
+          </a:p>
+          <a:p>
+            <a:r>
+              <a:rPr lang="zh-CN" altLang="en-US" dirty="0">
+                <a:solidFill>
+                  <a:srgbClr val="00B050"/>
+                </a:solidFill>
+              </a:rPr>
               <a:t>地图里的势力区域</a:t>
             </a:r>
-            <a:endParaRPr lang="en-US" altLang="zh-CN" dirty="0" smtClean="0"/>
+            <a:endParaRPr lang="en-US" altLang="zh-CN" dirty="0">
+              <a:solidFill>
+                <a:srgbClr val="00B050"/>
+              </a:solidFill>
+            </a:endParaRPr>
           </a:p>
           <a:p>
             <a:pPr lvl="4">
               <a:buNone/>
             </a:pPr>
             <a:r>
-              <a:rPr lang="en-US" altLang="zh-CN" dirty="0" smtClean="0"/>
+              <a:rPr lang="en-US" altLang="zh-CN" dirty="0"/>
               <a:t>		</a:t>
             </a:r>
           </a:p>
@@ -4034,15 +5937,15 @@
               <a:buNone/>
             </a:pPr>
             <a:r>
-              <a:rPr lang="en-US" altLang="zh-CN" dirty="0" smtClean="0"/>
+              <a:rPr lang="en-US" altLang="zh-CN" dirty="0"/>
               <a:t>		      </a:t>
             </a:r>
           </a:p>
           <a:p>
-            <a:endParaRPr lang="en-US" altLang="zh-CN" dirty="0" smtClean="0"/>
-          </a:p>
-          <a:p>
-            <a:endParaRPr lang="en-US" altLang="zh-CN" dirty="0" smtClean="0"/>
+            <a:endParaRPr lang="en-US" altLang="zh-CN" dirty="0"/>
+          </a:p>
+          <a:p>
+            <a:endParaRPr lang="en-US" altLang="zh-CN" dirty="0"/>
           </a:p>
           <a:p>
             <a:endParaRPr lang="zh-CN" altLang="en-US" dirty="0"/>
@@ -4054,13 +5957,6 @@
   <p:clrMapOvr>
     <a:masterClrMapping/>
   </p:clrMapOvr>
-  <p:timing>
-    <p:tnLst>
-      <p:par>
-        <p:cTn id="1" dur="indefinite" restart="never" nodeType="tmRoot"/>
-      </p:par>
-    </p:tnLst>
-  </p:timing>
 </p:sld>
 </file>
 
@@ -4104,14 +6000,9 @@
           <a:lstStyle/>
           <a:p>
             <a:r>
-              <a:rPr lang="zh-CN" altLang="en-US" dirty="0" smtClean="0"/>
-              <a:t>程序</a:t>
-            </a:r>
-            <a:r>
-              <a:rPr lang="zh-CN" altLang="en-US" dirty="0" smtClean="0"/>
-              <a:t>纹理</a:t>
-            </a:r>
-            <a:endParaRPr lang="zh-CN" altLang="en-US" dirty="0"/>
+              <a:rPr lang="zh-CN" altLang="en-US" dirty="0"/>
+              <a:t>程序纹理</a:t>
+            </a:r>
           </a:p>
         </p:txBody>
       </p:sp>
@@ -4128,7 +6019,7 @@
         <p:spPr>
           <a:xfrm>
             <a:off x="457200" y="928670"/>
-            <a:ext cx="8229600" cy="5715039"/>
+            <a:ext cx="8229600" cy="6604786"/>
           </a:xfrm>
         </p:spPr>
         <p:txBody>
@@ -4141,21 +6032,21 @@
               <a:buNone/>
             </a:pPr>
             <a:r>
-              <a:rPr lang="zh-CN" altLang="en-US" dirty="0" smtClean="0"/>
+              <a:rPr lang="zh-CN" altLang="en-US" dirty="0"/>
               <a:t>边界线</a:t>
             </a:r>
-            <a:endParaRPr lang="en-US" altLang="zh-CN" dirty="0" smtClean="0"/>
+            <a:endParaRPr lang="en-US" altLang="zh-CN" dirty="0"/>
           </a:p>
           <a:p>
             <a:pPr>
               <a:buNone/>
             </a:pPr>
             <a:r>
-              <a:rPr lang="zh-CN" altLang="en-US" dirty="0" smtClean="0"/>
+              <a:rPr lang="zh-CN" altLang="en-US" dirty="0"/>
               <a:t>实现原理</a:t>
             </a:r>
             <a:r>
-              <a:rPr lang="en-US" altLang="zh-CN" dirty="0" smtClean="0"/>
+              <a:rPr lang="en-US" altLang="zh-CN" dirty="0"/>
               <a:t>:</a:t>
             </a:r>
           </a:p>
@@ -4164,192 +6055,256 @@
               <a:buNone/>
             </a:pPr>
             <a:r>
-              <a:rPr lang="en-US" altLang="zh-CN" dirty="0" smtClean="0"/>
+              <a:rPr lang="en-US" altLang="zh-CN" dirty="0"/>
+              <a:t>		1. </a:t>
+            </a:r>
+            <a:r>
+              <a:rPr lang="zh-CN" altLang="en-US" dirty="0"/>
+              <a:t>世界地图</a:t>
+            </a:r>
+            <a:r>
+              <a:rPr lang="en-US" altLang="zh-CN" dirty="0"/>
+              <a:t>(125</a:t>
+            </a:r>
+            <a:r>
+              <a:rPr lang="zh-CN" altLang="en-US" dirty="0"/>
+              <a:t>*</a:t>
+            </a:r>
+            <a:r>
+              <a:rPr lang="en-US" altLang="zh-CN" dirty="0"/>
+              <a:t>125</a:t>
+            </a:r>
+            <a:r>
+              <a:rPr lang="zh-CN" altLang="en-US" dirty="0"/>
+              <a:t>个</a:t>
+            </a:r>
+            <a:r>
+              <a:rPr lang="en-US" altLang="zh-CN" dirty="0"/>
+              <a:t>tile)</a:t>
+            </a:r>
+            <a:r>
+              <a:rPr lang="zh-CN" altLang="en-US" dirty="0"/>
+              <a:t>每个</a:t>
+            </a:r>
+            <a:r>
+              <a:rPr lang="en-US" altLang="zh-CN" dirty="0"/>
+              <a:t>tile</a:t>
+            </a:r>
+            <a:r>
+              <a:rPr lang="zh-CN" altLang="en-US" dirty="0"/>
+              <a:t>在纹理中占一块</a:t>
+            </a:r>
+            <a:r>
+              <a:rPr lang="en-US" altLang="zh-CN" dirty="0"/>
+              <a:t>8*8(</a:t>
+            </a:r>
+            <a:r>
+              <a:rPr lang="zh-CN" altLang="en-US" dirty="0"/>
+              <a:t>通过分辨率可以控制粗细</a:t>
+            </a:r>
+            <a:r>
+              <a:rPr lang="en-US" altLang="zh-CN" dirty="0"/>
+              <a:t>)</a:t>
+            </a:r>
+            <a:r>
+              <a:rPr lang="zh-CN" altLang="en-US" dirty="0"/>
+              <a:t>的区域 ，创建一个</a:t>
+            </a:r>
+            <a:r>
+              <a:rPr lang="en-US" altLang="zh-CN" dirty="0"/>
+              <a:t>Texture2D (1000</a:t>
+            </a:r>
+            <a:r>
+              <a:rPr lang="zh-CN" altLang="en-US" dirty="0"/>
+              <a:t>*</a:t>
+            </a:r>
+            <a:r>
+              <a:rPr lang="en-US" altLang="zh-CN" dirty="0"/>
+              <a:t>1000</a:t>
+            </a:r>
+            <a:r>
+              <a:rPr lang="zh-CN" altLang="en-US" dirty="0"/>
+              <a:t>，注意纹理</a:t>
+            </a:r>
+            <a:r>
+              <a:rPr lang="zh-CN" altLang="en-US" dirty="0">
+                <a:solidFill>
+                  <a:srgbClr val="00B050"/>
+                </a:solidFill>
+              </a:rPr>
+              <a:t>过滤方式要线性的</a:t>
+            </a:r>
+            <a:r>
+              <a:rPr lang="en-US" altLang="zh-CN" dirty="0"/>
+              <a:t>)</a:t>
+            </a:r>
+            <a:r>
+              <a:rPr lang="zh-CN" altLang="en-US" dirty="0"/>
+              <a:t>；</a:t>
+            </a:r>
+            <a:endParaRPr lang="en-US" altLang="zh-CN" dirty="0"/>
+          </a:p>
+          <a:p>
+            <a:pPr>
+              <a:buNone/>
+            </a:pPr>
+            <a:r>
+              <a:rPr lang="en-US" altLang="zh-CN" dirty="0"/>
+              <a:t>		2. </a:t>
+            </a:r>
+            <a:r>
+              <a:rPr lang="zh-CN" altLang="en-US" dirty="0"/>
+              <a:t>当城池归属发生变化时，依靠脏标记去刷新程序纹理</a:t>
+            </a:r>
+            <a:r>
+              <a:rPr lang="en-US" altLang="zh-CN" dirty="0"/>
+              <a:t>(</a:t>
+            </a:r>
+            <a:r>
+              <a:rPr lang="zh-CN" altLang="en-US" dirty="0"/>
+              <a:t>异步</a:t>
+            </a:r>
+            <a:r>
+              <a:rPr lang="en-US" altLang="zh-CN" dirty="0"/>
+              <a:t>)</a:t>
+            </a:r>
+            <a:r>
+              <a:rPr lang="zh-CN" altLang="en-US" dirty="0"/>
+              <a:t>；</a:t>
+            </a:r>
+            <a:endParaRPr lang="en-US" altLang="zh-CN" dirty="0"/>
+          </a:p>
+          <a:p>
+            <a:pPr>
+              <a:buNone/>
+            </a:pPr>
+            <a:r>
+              <a:rPr lang="en-US" altLang="zh-CN" dirty="0"/>
+              <a:t>		3. </a:t>
+            </a:r>
+            <a:r>
+              <a:rPr lang="zh-CN" altLang="en-US" dirty="0"/>
+              <a:t>顶点着色器中通过世界坐标的</a:t>
+            </a:r>
+            <a:r>
+              <a:rPr lang="en-US" altLang="zh-CN" dirty="0"/>
+              <a:t>x</a:t>
+            </a:r>
+            <a:r>
+              <a:rPr lang="zh-CN" altLang="en-US" dirty="0"/>
+              <a:t>、</a:t>
+            </a:r>
+            <a:r>
+              <a:rPr lang="en-US" altLang="zh-CN" dirty="0"/>
+              <a:t>z</a:t>
+            </a:r>
+            <a:r>
+              <a:rPr lang="zh-CN" altLang="en-US" dirty="0"/>
+              <a:t>值来计算采样的</a:t>
+            </a:r>
+            <a:r>
+              <a:rPr lang="en-US" altLang="zh-CN" dirty="0" err="1"/>
+              <a:t>uv</a:t>
+            </a:r>
+            <a:r>
+              <a:rPr lang="zh-CN" altLang="en-US" dirty="0"/>
+              <a:t>；片段着色器中通过纹理线性过滤的采样结果来对两边的势力颜色做线性插值</a:t>
+            </a:r>
+            <a:r>
+              <a:rPr lang="en-US" altLang="zh-CN" dirty="0"/>
+              <a:t>(</a:t>
+            </a:r>
+            <a:r>
+              <a:rPr lang="zh-CN" altLang="en-US" dirty="0"/>
+              <a:t>绿</a:t>
+            </a:r>
+            <a:r>
+              <a:rPr lang="en-US" altLang="zh-CN" dirty="0"/>
+              <a:t>or</a:t>
+            </a:r>
+            <a:r>
+              <a:rPr lang="zh-CN" altLang="en-US" dirty="0"/>
+              <a:t>红</a:t>
+            </a:r>
+            <a:r>
+              <a:rPr lang="en-US" altLang="zh-CN" dirty="0"/>
+              <a:t>)</a:t>
+            </a:r>
+            <a:r>
+              <a:rPr lang="zh-CN" altLang="en-US" dirty="0"/>
+              <a:t>和</a:t>
+            </a:r>
+            <a:r>
+              <a:rPr lang="zh-CN" altLang="en-US" dirty="0">
+                <a:solidFill>
+                  <a:srgbClr val="00B050"/>
+                </a:solidFill>
+              </a:rPr>
+              <a:t>边缘的检测</a:t>
+            </a:r>
+            <a:r>
+              <a:rPr lang="en-US" altLang="zh-CN" dirty="0">
+                <a:solidFill>
+                  <a:srgbClr val="00B050"/>
+                </a:solidFill>
+              </a:rPr>
+              <a:t>(</a:t>
+            </a:r>
+            <a:r>
+              <a:rPr lang="zh-CN" altLang="en-US" dirty="0">
+                <a:solidFill>
+                  <a:srgbClr val="00B050"/>
+                </a:solidFill>
+              </a:rPr>
+              <a:t> </a:t>
+            </a:r>
+            <a:r>
+              <a:rPr lang="en-US" altLang="zh-CN" dirty="0">
+                <a:solidFill>
+                  <a:srgbClr val="00B050"/>
+                </a:solidFill>
+              </a:rPr>
+              <a:t>(0.5-abs(alpha-0.5))</a:t>
+            </a:r>
+            <a:r>
+              <a:rPr lang="zh-CN" altLang="en-US" dirty="0">
+                <a:solidFill>
+                  <a:srgbClr val="00B050"/>
+                </a:solidFill>
+              </a:rPr>
+              <a:t>描边的</a:t>
+            </a:r>
+            <a:r>
+              <a:rPr lang="en-US" altLang="zh-CN" dirty="0">
+                <a:solidFill>
+                  <a:srgbClr val="00B050"/>
+                </a:solidFill>
+              </a:rPr>
+              <a:t>alpha)</a:t>
+            </a:r>
+            <a:r>
+              <a:rPr lang="zh-CN" altLang="en-US" dirty="0"/>
+              <a:t>。</a:t>
+            </a:r>
+            <a:r>
+              <a:rPr lang="en-US" altLang="zh-CN" dirty="0"/>
               <a:t>	</a:t>
             </a:r>
-            <a:r>
-              <a:rPr lang="en-US" altLang="zh-CN" dirty="0" smtClean="0"/>
-              <a:t>	1. </a:t>
-            </a:r>
-            <a:r>
-              <a:rPr lang="zh-CN" altLang="en-US" dirty="0" smtClean="0"/>
-              <a:t>世界地图每个</a:t>
-            </a:r>
-            <a:r>
-              <a:rPr lang="en-US" altLang="zh-CN" dirty="0" smtClean="0"/>
-              <a:t>tile</a:t>
-            </a:r>
-            <a:r>
-              <a:rPr lang="zh-CN" altLang="en-US" dirty="0" smtClean="0"/>
-              <a:t>在纹理中占一块</a:t>
-            </a:r>
-            <a:r>
-              <a:rPr lang="en-US" altLang="zh-CN" dirty="0" smtClean="0"/>
-              <a:t>8*8</a:t>
-            </a:r>
-            <a:r>
-              <a:rPr lang="zh-CN" altLang="en-US" dirty="0" smtClean="0"/>
-              <a:t>的区域 </a:t>
-            </a:r>
-            <a:r>
-              <a:rPr lang="en-US" altLang="zh-CN" dirty="0" smtClean="0"/>
-              <a:t>(</a:t>
-            </a:r>
-            <a:r>
-              <a:rPr lang="zh-CN" altLang="en-US" dirty="0" smtClean="0"/>
-              <a:t>世界地图</a:t>
-            </a:r>
-            <a:r>
-              <a:rPr lang="en-US" altLang="zh-CN" dirty="0" smtClean="0"/>
-              <a:t>125</a:t>
-            </a:r>
-            <a:r>
-              <a:rPr lang="zh-CN" altLang="en-US" dirty="0" smtClean="0"/>
-              <a:t>*</a:t>
-            </a:r>
-            <a:r>
-              <a:rPr lang="en-US" altLang="zh-CN" dirty="0" smtClean="0"/>
-              <a:t>125)</a:t>
-            </a:r>
-            <a:r>
-              <a:rPr lang="zh-CN" altLang="en-US" dirty="0" smtClean="0"/>
-              <a:t>，创建一个</a:t>
-            </a:r>
-            <a:r>
-              <a:rPr lang="en-US" altLang="zh-CN" dirty="0" smtClean="0"/>
-              <a:t>Texture2D (</a:t>
-            </a:r>
-            <a:r>
-              <a:rPr lang="zh-CN" altLang="en-US" dirty="0" smtClean="0"/>
-              <a:t>注意纹理过滤方式要线性的</a:t>
-            </a:r>
-            <a:r>
-              <a:rPr lang="en-US" altLang="zh-CN" dirty="0" smtClean="0"/>
-              <a:t>)</a:t>
-            </a:r>
-            <a:r>
-              <a:rPr lang="zh-CN" altLang="en-US" dirty="0" smtClean="0"/>
-              <a:t>；</a:t>
-            </a:r>
-            <a:endParaRPr lang="en-US" altLang="zh-CN" dirty="0" smtClean="0"/>
           </a:p>
           <a:p>
             <a:pPr>
               <a:buNone/>
             </a:pPr>
             <a:r>
-              <a:rPr lang="en-US" altLang="zh-CN" dirty="0" smtClean="0"/>
-              <a:t>	</a:t>
-            </a:r>
-            <a:r>
-              <a:rPr lang="en-US" altLang="zh-CN" dirty="0" smtClean="0"/>
-              <a:t>	2. </a:t>
-            </a:r>
-            <a:r>
-              <a:rPr lang="zh-CN" altLang="en-US" dirty="0" smtClean="0"/>
-              <a:t>当城池归属发生变化时，依靠脏标记去刷新程序纹理</a:t>
-            </a:r>
-            <a:r>
-              <a:rPr lang="en-US" altLang="zh-CN" dirty="0" smtClean="0"/>
-              <a:t>(</a:t>
-            </a:r>
-            <a:r>
-              <a:rPr lang="zh-CN" altLang="en-US" dirty="0" smtClean="0"/>
-              <a:t>异步</a:t>
-            </a:r>
-            <a:r>
-              <a:rPr lang="en-US" altLang="zh-CN" dirty="0" smtClean="0"/>
-              <a:t>)</a:t>
-            </a:r>
-            <a:r>
-              <a:rPr lang="zh-CN" altLang="en-US" dirty="0" smtClean="0"/>
-              <a:t>；</a:t>
-            </a:r>
-            <a:endParaRPr lang="en-US" altLang="zh-CN" dirty="0" smtClean="0"/>
-          </a:p>
-          <a:p>
-            <a:pPr>
-              <a:buNone/>
-            </a:pPr>
-            <a:r>
-              <a:rPr lang="en-US" altLang="zh-CN" dirty="0" smtClean="0"/>
-              <a:t>	</a:t>
-            </a:r>
-            <a:r>
-              <a:rPr lang="en-US" altLang="zh-CN" dirty="0" smtClean="0"/>
-              <a:t>	3. </a:t>
-            </a:r>
-            <a:r>
-              <a:rPr lang="zh-CN" altLang="en-US" dirty="0" smtClean="0"/>
-              <a:t>顶点着色器中通过世界坐标的</a:t>
-            </a:r>
-            <a:r>
-              <a:rPr lang="en-US" altLang="zh-CN" dirty="0" smtClean="0"/>
-              <a:t>x</a:t>
-            </a:r>
-            <a:r>
-              <a:rPr lang="zh-CN" altLang="en-US" dirty="0" smtClean="0"/>
-              <a:t>、</a:t>
-            </a:r>
-            <a:r>
-              <a:rPr lang="en-US" altLang="zh-CN" dirty="0" smtClean="0"/>
-              <a:t>z</a:t>
-            </a:r>
-            <a:r>
-              <a:rPr lang="zh-CN" altLang="en-US" dirty="0" smtClean="0"/>
-              <a:t>值来计算采样的</a:t>
-            </a:r>
-            <a:r>
-              <a:rPr lang="en-US" altLang="zh-CN" dirty="0" err="1" smtClean="0"/>
-              <a:t>uv</a:t>
-            </a:r>
-            <a:r>
-              <a:rPr lang="zh-CN" altLang="en-US" dirty="0" smtClean="0"/>
-              <a:t>；片段</a:t>
-            </a:r>
-            <a:r>
-              <a:rPr lang="zh-CN" altLang="en-US" dirty="0" smtClean="0"/>
-              <a:t>着色</a:t>
-            </a:r>
-            <a:r>
-              <a:rPr lang="zh-CN" altLang="en-US" dirty="0" smtClean="0"/>
-              <a:t>器中通过纹理线性过滤的采样结果来对两边的势力颜色做线性插值</a:t>
-            </a:r>
-            <a:r>
-              <a:rPr lang="en-US" altLang="zh-CN" dirty="0" smtClean="0"/>
-              <a:t>(</a:t>
-            </a:r>
-            <a:r>
-              <a:rPr lang="zh-CN" altLang="en-US" smtClean="0"/>
-              <a:t>划重点</a:t>
-            </a:r>
-            <a:r>
-              <a:rPr lang="en-US" altLang="zh-CN" smtClean="0"/>
-              <a:t>)</a:t>
-            </a:r>
-            <a:r>
-              <a:rPr lang="zh-CN" altLang="en-US" dirty="0" smtClean="0"/>
-              <a:t>。</a:t>
-            </a:r>
-            <a:r>
-              <a:rPr lang="en-US" altLang="zh-CN" dirty="0" smtClean="0"/>
-              <a:t>	</a:t>
-            </a:r>
-          </a:p>
-          <a:p>
-            <a:pPr>
-              <a:buNone/>
-            </a:pPr>
-            <a:r>
-              <a:rPr lang="en-US" altLang="zh-CN" dirty="0" smtClean="0"/>
+              <a:rPr lang="en-US" altLang="zh-CN" dirty="0"/>
               <a:t>		      </a:t>
             </a:r>
           </a:p>
           <a:p>
-            <a:endParaRPr lang="en-US" altLang="zh-CN" dirty="0" smtClean="0"/>
-          </a:p>
-          <a:p>
-            <a:endParaRPr lang="en-US" altLang="zh-CN" dirty="0" smtClean="0"/>
+            <a:endParaRPr lang="en-US" altLang="zh-CN" dirty="0"/>
+          </a:p>
+          <a:p>
+            <a:endParaRPr lang="en-US" altLang="zh-CN" dirty="0"/>
           </a:p>
           <a:p>
             <a:endParaRPr lang="zh-CN" altLang="en-US" dirty="0"/>
@@ -4361,13 +6316,6 @@
   <p:clrMapOvr>
     <a:masterClrMapping/>
   </p:clrMapOvr>
-  <p:timing>
-    <p:tnLst>
-      <p:par>
-        <p:cTn id="1" dur="indefinite" restart="never" nodeType="tmRoot"/>
-      </p:par>
-    </p:tnLst>
-  </p:timing>
 </p:sld>
 </file>
 
@@ -4411,14 +6359,9 @@
           <a:lstStyle/>
           <a:p>
             <a:r>
-              <a:rPr lang="zh-CN" altLang="en-US" dirty="0" smtClean="0"/>
-              <a:t>程序</a:t>
-            </a:r>
-            <a:r>
-              <a:rPr lang="zh-CN" altLang="en-US" dirty="0" smtClean="0"/>
-              <a:t>纹理</a:t>
-            </a:r>
-            <a:endParaRPr lang="zh-CN" altLang="en-US" dirty="0"/>
+              <a:rPr lang="zh-CN" altLang="en-US" dirty="0"/>
+              <a:t>程序纹理</a:t>
+            </a:r>
           </a:p>
         </p:txBody>
       </p:sp>
@@ -4448,21 +6391,21 @@
               <a:buNone/>
             </a:pPr>
             <a:r>
-              <a:rPr lang="zh-CN" altLang="en-US" dirty="0" smtClean="0"/>
+              <a:rPr lang="zh-CN" altLang="en-US" dirty="0"/>
               <a:t>边界线</a:t>
             </a:r>
-            <a:endParaRPr lang="en-US" altLang="zh-CN" dirty="0" smtClean="0"/>
+            <a:endParaRPr lang="en-US" altLang="zh-CN" dirty="0"/>
           </a:p>
           <a:p>
             <a:pPr>
               <a:buNone/>
             </a:pPr>
             <a:r>
-              <a:rPr lang="zh-CN" altLang="en-US" dirty="0" smtClean="0"/>
+              <a:rPr lang="zh-CN" altLang="en-US" dirty="0"/>
               <a:t>程序纹理</a:t>
             </a:r>
             <a:r>
-              <a:rPr lang="en-US" altLang="zh-CN" dirty="0" smtClean="0"/>
+              <a:rPr lang="en-US" altLang="zh-CN" dirty="0"/>
               <a:t>		</a:t>
             </a:r>
           </a:p>
@@ -4471,15 +6414,15 @@
               <a:buNone/>
             </a:pPr>
             <a:r>
-              <a:rPr lang="en-US" altLang="zh-CN" dirty="0" smtClean="0"/>
+              <a:rPr lang="en-US" altLang="zh-CN" dirty="0"/>
               <a:t>		      </a:t>
             </a:r>
           </a:p>
           <a:p>
-            <a:endParaRPr lang="en-US" altLang="zh-CN" dirty="0" smtClean="0"/>
-          </a:p>
-          <a:p>
-            <a:endParaRPr lang="en-US" altLang="zh-CN" dirty="0" smtClean="0"/>
+            <a:endParaRPr lang="en-US" altLang="zh-CN" dirty="0"/>
+          </a:p>
+          <a:p>
+            <a:endParaRPr lang="en-US" altLang="zh-CN" dirty="0"/>
           </a:p>
           <a:p>
             <a:endParaRPr lang="zh-CN" altLang="en-US" dirty="0"/>
@@ -4515,13 +6458,6 @@
   <p:clrMapOvr>
     <a:masterClrMapping/>
   </p:clrMapOvr>
-  <p:timing>
-    <p:tnLst>
-      <p:par>
-        <p:cTn id="1" dur="indefinite" restart="never" nodeType="tmRoot"/>
-      </p:par>
-    </p:tnLst>
-  </p:timing>
 </p:sld>
 </file>
 
@@ -4565,14 +6501,9 @@
           <a:lstStyle/>
           <a:p>
             <a:r>
-              <a:rPr lang="zh-CN" altLang="en-US" dirty="0" smtClean="0"/>
-              <a:t>程序</a:t>
-            </a:r>
-            <a:r>
-              <a:rPr lang="zh-CN" altLang="en-US" dirty="0" smtClean="0"/>
-              <a:t>纹理</a:t>
-            </a:r>
-            <a:endParaRPr lang="zh-CN" altLang="en-US" dirty="0"/>
+              <a:rPr lang="zh-CN" altLang="en-US" dirty="0"/>
+              <a:t>程序纹理</a:t>
+            </a:r>
           </a:p>
         </p:txBody>
       </p:sp>
@@ -4602,31 +6533,26 @@
               <a:buNone/>
             </a:pPr>
             <a:r>
-              <a:rPr lang="zh-CN" altLang="en-US" dirty="0" smtClean="0"/>
+              <a:rPr lang="zh-CN" altLang="en-US" dirty="0"/>
               <a:t>边界线</a:t>
             </a:r>
-            <a:endParaRPr lang="en-US" altLang="zh-CN" dirty="0" smtClean="0"/>
+            <a:endParaRPr lang="en-US" altLang="zh-CN" dirty="0"/>
           </a:p>
           <a:p>
             <a:pPr>
               <a:buNone/>
             </a:pPr>
             <a:r>
-              <a:rPr lang="zh-CN" altLang="en-US" dirty="0" smtClean="0"/>
-              <a:t>实际效果</a:t>
-            </a:r>
-            <a:r>
-              <a:rPr lang="en-US" altLang="zh-CN" dirty="0" smtClean="0"/>
-              <a:t>:</a:t>
-            </a:r>
-            <a:endParaRPr lang="en-US" altLang="zh-CN" dirty="0" smtClean="0"/>
+              <a:rPr lang="en-US" altLang="zh-CN" dirty="0"/>
+              <a:t>Code:</a:t>
+            </a:r>
           </a:p>
           <a:p>
             <a:pPr>
               <a:buNone/>
             </a:pPr>
             <a:r>
-              <a:rPr lang="en-US" altLang="zh-CN" dirty="0" smtClean="0"/>
+              <a:rPr lang="en-US" altLang="zh-CN" dirty="0"/>
               <a:t>		</a:t>
             </a:r>
           </a:p>
@@ -4635,15 +6561,15 @@
               <a:buNone/>
             </a:pPr>
             <a:r>
-              <a:rPr lang="en-US" altLang="zh-CN" dirty="0" smtClean="0"/>
+              <a:rPr lang="en-US" altLang="zh-CN" dirty="0"/>
               <a:t>		      </a:t>
             </a:r>
           </a:p>
           <a:p>
-            <a:endParaRPr lang="en-US" altLang="zh-CN" dirty="0" smtClean="0"/>
-          </a:p>
-          <a:p>
-            <a:endParaRPr lang="en-US" altLang="zh-CN" dirty="0" smtClean="0"/>
+            <a:endParaRPr lang="en-US" altLang="zh-CN" dirty="0"/>
+          </a:p>
+          <a:p>
+            <a:endParaRPr lang="en-US" altLang="zh-CN" dirty="0"/>
           </a:p>
           <a:p>
             <a:endParaRPr lang="zh-CN" altLang="en-US" dirty="0"/>
@@ -4652,7 +6578,13 @@
       </p:sp>
       <p:pic>
         <p:nvPicPr>
-          <p:cNvPr id="6" name="图片 5" descr="QQ截图20200530150558.png"/>
+          <p:cNvPr id="7" name="图片 6">
+            <a:extLst>
+              <a:ext uri="{FF2B5EF4-FFF2-40B4-BE49-F238E27FC236}">
+                <a16:creationId xmlns:a16="http://schemas.microsoft.com/office/drawing/2014/main" id="{23EA342D-3DE9-4BA4-8EED-079BCA662F64}"/>
+              </a:ext>
+            </a:extLst>
+          </p:cNvPr>
           <p:cNvPicPr>
             <a:picLocks noChangeAspect="1"/>
           </p:cNvPicPr>
@@ -4666,8 +6598,8 @@
         </p:blipFill>
         <p:spPr>
           <a:xfrm>
-            <a:off x="1500166" y="2007296"/>
-            <a:ext cx="6604953" cy="4620746"/>
+            <a:off x="457200" y="2029000"/>
+            <a:ext cx="8427368" cy="4136304"/>
           </a:xfrm>
           <a:prstGeom prst="rect">
             <a:avLst/>
@@ -4675,17 +6607,15 @@
         </p:spPr>
       </p:pic>
     </p:spTree>
+    <p:extLst>
+      <p:ext uri="{BB962C8B-B14F-4D97-AF65-F5344CB8AC3E}">
+        <p14:creationId xmlns:p14="http://schemas.microsoft.com/office/powerpoint/2010/main" val="3195890885"/>
+      </p:ext>
+    </p:extLst>
   </p:cSld>
   <p:clrMapOvr>
     <a:masterClrMapping/>
   </p:clrMapOvr>
-  <p:timing>
-    <p:tnLst>
-      <p:par>
-        <p:cTn id="1" dur="indefinite" restart="never" nodeType="tmRoot"/>
-      </p:par>
-    </p:tnLst>
-  </p:timing>
 </p:sld>
 </file>
 
@@ -4729,14 +6659,9 @@
           <a:lstStyle/>
           <a:p>
             <a:r>
-              <a:rPr lang="zh-CN" altLang="en-US" dirty="0" smtClean="0"/>
-              <a:t>程序</a:t>
-            </a:r>
-            <a:r>
-              <a:rPr lang="zh-CN" altLang="en-US" dirty="0" smtClean="0"/>
-              <a:t>纹理</a:t>
-            </a:r>
-            <a:endParaRPr lang="zh-CN" altLang="en-US" dirty="0"/>
+              <a:rPr lang="zh-CN" altLang="en-US" dirty="0"/>
+              <a:t>程序纹理</a:t>
+            </a:r>
           </a:p>
         </p:txBody>
       </p:sp>
@@ -4766,25 +6691,21 @@
               <a:buNone/>
             </a:pPr>
             <a:r>
-              <a:rPr lang="zh-CN" altLang="en-US" dirty="0" smtClean="0"/>
-              <a:t>地图</a:t>
-            </a:r>
-            <a:r>
-              <a:rPr lang="zh-CN" altLang="en-US" dirty="0" smtClean="0"/>
-              <a:t>里的势力区域</a:t>
-            </a:r>
-            <a:endParaRPr lang="en-US" altLang="zh-CN" dirty="0" smtClean="0"/>
+              <a:rPr lang="zh-CN" altLang="en-US" dirty="0"/>
+              <a:t>边界线</a:t>
+            </a:r>
+            <a:endParaRPr lang="en-US" altLang="zh-CN" dirty="0"/>
           </a:p>
           <a:p>
             <a:pPr>
               <a:buNone/>
             </a:pPr>
             <a:r>
-              <a:rPr lang="zh-CN" altLang="en-US" dirty="0" smtClean="0"/>
-              <a:t>实现原理</a:t>
-            </a:r>
-            <a:r>
-              <a:rPr lang="en-US" altLang="zh-CN" dirty="0" smtClean="0"/>
+              <a:rPr lang="zh-CN" altLang="en-US" dirty="0"/>
+              <a:t>实际效果</a:t>
+            </a:r>
+            <a:r>
+              <a:rPr lang="en-US" altLang="zh-CN" dirty="0"/>
               <a:t>:</a:t>
             </a:r>
           </a:p>
@@ -4793,141 +6714,59 @@
               <a:buNone/>
             </a:pPr>
             <a:r>
-              <a:rPr lang="en-US" altLang="zh-CN" dirty="0" smtClean="0"/>
-              <a:t>	</a:t>
-            </a:r>
-            <a:r>
-              <a:rPr lang="en-US" altLang="zh-CN" dirty="0" smtClean="0"/>
-              <a:t>	1. </a:t>
-            </a:r>
-            <a:r>
-              <a:rPr lang="zh-CN" altLang="en-US" dirty="0" smtClean="0"/>
-              <a:t>根据城市数量</a:t>
-            </a:r>
-            <a:r>
-              <a:rPr lang="en-US" altLang="zh-CN" dirty="0" smtClean="0"/>
-              <a:t>N</a:t>
-            </a:r>
-            <a:r>
-              <a:rPr lang="zh-CN" altLang="en-US" dirty="0" smtClean="0"/>
-              <a:t>，生成一张</a:t>
-            </a:r>
-            <a:r>
-              <a:rPr lang="en-US" altLang="zh-CN" dirty="0" smtClean="0"/>
-              <a:t>N*1</a:t>
-            </a:r>
-            <a:r>
-              <a:rPr lang="zh-CN" altLang="en-US" dirty="0" smtClean="0"/>
-              <a:t>的纹理</a:t>
-            </a:r>
-            <a:r>
-              <a:rPr lang="en-US" altLang="zh-CN" dirty="0" smtClean="0"/>
-              <a:t>,</a:t>
-            </a:r>
-            <a:r>
-              <a:rPr lang="zh-CN" altLang="en-US" dirty="0" smtClean="0"/>
-              <a:t>每个像素的颜色都代表一个区域内所属势力的颜色；</a:t>
-            </a:r>
-            <a:endParaRPr lang="en-US" altLang="zh-CN" dirty="0" smtClean="0"/>
+              <a:rPr lang="en-US" altLang="zh-CN" dirty="0"/>
+              <a:t>		</a:t>
+            </a:r>
           </a:p>
           <a:p>
             <a:pPr>
               <a:buNone/>
             </a:pPr>
             <a:r>
-              <a:rPr lang="en-US" altLang="zh-CN" dirty="0" smtClean="0"/>
-              <a:t>	</a:t>
-            </a:r>
-            <a:r>
-              <a:rPr lang="en-US" altLang="zh-CN" dirty="0" smtClean="0"/>
-              <a:t>     2. </a:t>
-            </a:r>
-            <a:r>
-              <a:rPr lang="zh-CN" altLang="en-US" dirty="0" smtClean="0"/>
-              <a:t>当所属势力发生变化时，通过脏标记来修改程序纹理</a:t>
-            </a:r>
-            <a:r>
-              <a:rPr lang="en-US" altLang="zh-CN" dirty="0" smtClean="0"/>
-              <a:t>(</a:t>
-            </a:r>
-            <a:r>
-              <a:rPr lang="zh-CN" altLang="en-US" dirty="0" smtClean="0"/>
-              <a:t>异步</a:t>
-            </a:r>
-            <a:r>
-              <a:rPr lang="en-US" altLang="zh-CN" dirty="0" smtClean="0"/>
-              <a:t>)</a:t>
-            </a:r>
-            <a:r>
-              <a:rPr lang="zh-CN" altLang="en-US" dirty="0" smtClean="0"/>
-              <a:t>；</a:t>
-            </a:r>
-            <a:endParaRPr lang="en-US" altLang="zh-CN" dirty="0" smtClean="0"/>
-          </a:p>
-          <a:p>
-            <a:pPr>
-              <a:buNone/>
-            </a:pPr>
-            <a:r>
-              <a:rPr lang="en-US" altLang="zh-CN" dirty="0" smtClean="0"/>
-              <a:t>	 </a:t>
-            </a:r>
-            <a:r>
-              <a:rPr lang="en-US" altLang="zh-CN" dirty="0" smtClean="0"/>
-              <a:t>    3. </a:t>
-            </a:r>
-            <a:r>
-              <a:rPr lang="en-US" altLang="zh-CN" dirty="0" err="1" smtClean="0"/>
-              <a:t>Shader</a:t>
-            </a:r>
-            <a:r>
-              <a:rPr lang="zh-CN" altLang="en-US" dirty="0" smtClean="0"/>
-              <a:t>中根据另外一张地图区域的索引纹理</a:t>
-            </a:r>
-            <a:r>
-              <a:rPr lang="en-US" altLang="zh-CN" dirty="0" smtClean="0"/>
-              <a:t>(</a:t>
-            </a:r>
-            <a:r>
-              <a:rPr lang="zh-CN" altLang="en-US" dirty="0" smtClean="0"/>
-              <a:t>划重点</a:t>
-            </a:r>
-            <a:r>
-              <a:rPr lang="en-US" altLang="zh-CN" dirty="0" smtClean="0"/>
-              <a:t>)</a:t>
-            </a:r>
-            <a:r>
-              <a:rPr lang="zh-CN" altLang="en-US" dirty="0" smtClean="0"/>
-              <a:t>，来索引到地图上当前像素对应的势力颜色，填充到地图上。</a:t>
-            </a:r>
-            <a:r>
-              <a:rPr lang="en-US" altLang="zh-CN" dirty="0" smtClean="0"/>
+              <a:rPr lang="en-US" altLang="zh-CN" dirty="0"/>
               <a:t>		      </a:t>
             </a:r>
           </a:p>
           <a:p>
-            <a:endParaRPr lang="en-US" altLang="zh-CN" dirty="0" smtClean="0"/>
-          </a:p>
-          <a:p>
-            <a:endParaRPr lang="en-US" altLang="zh-CN" dirty="0" smtClean="0"/>
+            <a:endParaRPr lang="en-US" altLang="zh-CN" dirty="0"/>
+          </a:p>
+          <a:p>
+            <a:endParaRPr lang="en-US" altLang="zh-CN" dirty="0"/>
           </a:p>
           <a:p>
             <a:endParaRPr lang="zh-CN" altLang="en-US" dirty="0"/>
           </a:p>
         </p:txBody>
       </p:sp>
+      <p:pic>
+        <p:nvPicPr>
+          <p:cNvPr id="6" name="图片 5" descr="QQ截图20200530150558.png"/>
+          <p:cNvPicPr>
+            <a:picLocks noChangeAspect="1"/>
+          </p:cNvPicPr>
+          <p:nvPr/>
+        </p:nvPicPr>
+        <p:blipFill>
+          <a:blip r:embed="rId2"/>
+          <a:stretch>
+            <a:fillRect/>
+          </a:stretch>
+        </p:blipFill>
+        <p:spPr>
+          <a:xfrm>
+            <a:off x="1500166" y="2007296"/>
+            <a:ext cx="6604953" cy="4620746"/>
+          </a:xfrm>
+          <a:prstGeom prst="rect">
+            <a:avLst/>
+          </a:prstGeom>
+        </p:spPr>
+      </p:pic>
     </p:spTree>
   </p:cSld>
   <p:clrMapOvr>
     <a:masterClrMapping/>
   </p:clrMapOvr>
-  <p:timing>
-    <p:tnLst>
-      <p:par>
-        <p:cTn id="1" dur="indefinite" restart="never" nodeType="tmRoot"/>
-      </p:par>
-    </p:tnLst>
-  </p:timing>
 </p:sld>
 </file>
 
@@ -4971,10 +6810,9 @@
           <a:lstStyle/>
           <a:p>
             <a:r>
-              <a:rPr lang="zh-CN" altLang="en-US" dirty="0" smtClean="0"/>
-              <a:t>动画纹理</a:t>
-            </a:r>
-            <a:endParaRPr lang="zh-CN" altLang="en-US" dirty="0"/>
+              <a:rPr lang="zh-CN" altLang="en-US" dirty="0"/>
+              <a:t>程序纹理</a:t>
+            </a:r>
           </a:p>
         </p:txBody>
       </p:sp>
@@ -4990,13 +6828,13 @@
         </p:nvSpPr>
         <p:spPr>
           <a:xfrm>
-            <a:off x="457200" y="1000108"/>
-            <a:ext cx="8229600" cy="6572296"/>
+            <a:off x="457200" y="928670"/>
+            <a:ext cx="8229600" cy="5715039"/>
           </a:xfrm>
         </p:spPr>
         <p:txBody>
           <a:bodyPr>
-            <a:normAutofit fontScale="92500" lnSpcReduction="10000"/>
+            <a:normAutofit/>
           </a:bodyPr>
           <a:lstStyle/>
           <a:p>
@@ -5004,122 +6842,130 @@
               <a:buNone/>
             </a:pPr>
             <a:r>
-              <a:rPr lang="zh-CN" altLang="en-US" dirty="0" smtClean="0"/>
-              <a:t>动画存储的方式</a:t>
-            </a:r>
-            <a:endParaRPr lang="en-US" altLang="zh-CN" dirty="0" smtClean="0"/>
-          </a:p>
-          <a:p>
-            <a:r>
-              <a:rPr lang="zh-CN" altLang="en-US" dirty="0" smtClean="0"/>
-              <a:t>骨骼纹理</a:t>
-            </a:r>
-            <a:endParaRPr lang="en-US" altLang="zh-CN" dirty="0" smtClean="0"/>
+              <a:rPr lang="zh-CN" altLang="en-US" dirty="0"/>
+              <a:t>地图里的势力区域</a:t>
+            </a:r>
+            <a:endParaRPr lang="en-US" altLang="zh-CN" dirty="0"/>
           </a:p>
           <a:p>
             <a:pPr>
               <a:buNone/>
             </a:pPr>
             <a:r>
-              <a:rPr lang="en-US" altLang="zh-CN" dirty="0" smtClean="0"/>
-              <a:t>		</a:t>
-            </a:r>
-            <a:r>
-              <a:rPr lang="zh-CN" altLang="en-US" dirty="0" smtClean="0"/>
-              <a:t>纹理中存储动画每帧的骨骼变换信息，需要在顶点着色器中用骨骼矩阵去计算顶点的位置</a:t>
-            </a:r>
-            <a:r>
-              <a:rPr lang="zh-CN" altLang="en-US" dirty="0" smtClean="0"/>
-              <a:t>，可以</a:t>
-            </a:r>
-            <a:r>
-              <a:rPr lang="zh-CN" altLang="en-US" dirty="0" smtClean="0"/>
-              <a:t>用这个矩阵去计算变换后的法线和</a:t>
-            </a:r>
-            <a:r>
-              <a:rPr lang="zh-CN" altLang="en-US" dirty="0" smtClean="0"/>
-              <a:t>切线，</a:t>
-            </a:r>
-            <a:r>
-              <a:rPr lang="zh-CN" altLang="en-US" dirty="0" smtClean="0"/>
-              <a:t>优点是灵活度</a:t>
-            </a:r>
-            <a:r>
-              <a:rPr lang="zh-CN" altLang="en-US" dirty="0" smtClean="0"/>
-              <a:t>很大，支持换装或者骨骼</a:t>
-            </a:r>
-            <a:r>
-              <a:rPr lang="zh-CN" altLang="en-US" dirty="0" smtClean="0"/>
-              <a:t>绑定，可以多个模型复用，</a:t>
-            </a:r>
-            <a:r>
-              <a:rPr lang="zh-CN" altLang="en-US" dirty="0" smtClean="0"/>
-              <a:t>纹理尺寸较小，</a:t>
-            </a:r>
-            <a:r>
-              <a:rPr lang="zh-CN" altLang="en-US" dirty="0" smtClean="0"/>
-              <a:t>缺点是计算量较大。</a:t>
-            </a:r>
-            <a:endParaRPr lang="en-US" altLang="zh-CN" dirty="0" smtClean="0"/>
+              <a:rPr lang="zh-CN" altLang="en-US" dirty="0"/>
+              <a:t>实现原理</a:t>
+            </a:r>
+            <a:r>
+              <a:rPr lang="en-US" altLang="zh-CN" dirty="0"/>
+              <a:t>:</a:t>
+            </a:r>
           </a:p>
           <a:p>
             <a:pPr>
               <a:buNone/>
             </a:pPr>
-            <a:endParaRPr lang="en-US" altLang="zh-CN" dirty="0" smtClean="0"/>
-          </a:p>
-          <a:p>
-            <a:r>
-              <a:rPr lang="zh-CN" altLang="en-US" dirty="0" smtClean="0"/>
-              <a:t>顶点纹理</a:t>
-            </a:r>
-            <a:endParaRPr lang="en-US" altLang="zh-CN" dirty="0" smtClean="0"/>
+            <a:r>
+              <a:rPr lang="en-US" altLang="zh-CN" dirty="0"/>
+              <a:t>		1. </a:t>
+            </a:r>
+            <a:r>
+              <a:rPr lang="zh-CN" altLang="en-US" dirty="0"/>
+              <a:t>根据城池数量</a:t>
+            </a:r>
+            <a:r>
+              <a:rPr lang="en-US" altLang="zh-CN" dirty="0"/>
+              <a:t>N</a:t>
+            </a:r>
+            <a:r>
+              <a:rPr lang="zh-CN" altLang="en-US" dirty="0"/>
+              <a:t>，生成一张</a:t>
+            </a:r>
+            <a:r>
+              <a:rPr lang="en-US" altLang="zh-CN" dirty="0"/>
+              <a:t>N*1</a:t>
+            </a:r>
+            <a:r>
+              <a:rPr lang="zh-CN" altLang="en-US" dirty="0"/>
+              <a:t>的纹理</a:t>
+            </a:r>
+            <a:r>
+              <a:rPr lang="en-US" altLang="zh-CN" dirty="0"/>
+              <a:t>,</a:t>
+            </a:r>
+            <a:r>
+              <a:rPr lang="zh-CN" altLang="en-US" dirty="0"/>
+              <a:t>每个像素的颜色都代表一个区域内所属势力的颜色；</a:t>
+            </a:r>
+            <a:endParaRPr lang="en-US" altLang="zh-CN" dirty="0"/>
           </a:p>
           <a:p>
             <a:pPr>
               <a:buNone/>
             </a:pPr>
             <a:r>
-              <a:rPr lang="en-US" altLang="zh-CN" dirty="0" smtClean="0"/>
-              <a:t>		</a:t>
-            </a:r>
-            <a:r>
-              <a:rPr lang="zh-CN" altLang="en-US" dirty="0" smtClean="0"/>
-              <a:t>纹理中存储动画每帧所有顶点的位置，着色器中不需要计算即可直接拿到顶点位置。缺点是没啥灵活度可</a:t>
-            </a:r>
-            <a:r>
-              <a:rPr lang="zh-CN" altLang="en-US" dirty="0" smtClean="0"/>
-              <a:t>言，纹理尺寸较大，</a:t>
-            </a:r>
-            <a:r>
-              <a:rPr lang="zh-CN" altLang="en-US" dirty="0" smtClean="0"/>
-              <a:t>但性能很好。</a:t>
-            </a:r>
-            <a:endParaRPr lang="en-US" altLang="zh-CN" dirty="0" smtClean="0"/>
-          </a:p>
-          <a:p>
-            <a:pPr lvl="4">
-              <a:buNone/>
-            </a:pPr>
-            <a:r>
-              <a:rPr lang="en-US" altLang="zh-CN" dirty="0" smtClean="0"/>
-              <a:t>		</a:t>
-            </a:r>
+              <a:rPr lang="en-US" altLang="zh-CN" dirty="0"/>
+              <a:t>	     2. </a:t>
+            </a:r>
+            <a:r>
+              <a:rPr lang="zh-CN" altLang="en-US" dirty="0"/>
+              <a:t>当城池所属势力发生变化时，通过脏标记来修改程序纹理</a:t>
+            </a:r>
+            <a:r>
+              <a:rPr lang="en-US" altLang="zh-CN" dirty="0"/>
+              <a:t>(</a:t>
+            </a:r>
+            <a:r>
+              <a:rPr lang="zh-CN" altLang="en-US" dirty="0"/>
+              <a:t>异步</a:t>
+            </a:r>
+            <a:r>
+              <a:rPr lang="en-US" altLang="zh-CN" dirty="0"/>
+              <a:t>)</a:t>
+            </a:r>
+            <a:r>
+              <a:rPr lang="zh-CN" altLang="en-US" dirty="0"/>
+              <a:t>；</a:t>
+            </a:r>
+            <a:endParaRPr lang="en-US" altLang="zh-CN" dirty="0"/>
           </a:p>
           <a:p>
             <a:pPr>
               <a:buNone/>
             </a:pPr>
             <a:r>
-              <a:rPr lang="en-US" altLang="zh-CN" dirty="0" smtClean="0"/>
+              <a:rPr lang="en-US" altLang="zh-CN" dirty="0"/>
+              <a:t>	     3. </a:t>
+            </a:r>
+            <a:r>
+              <a:rPr lang="en-US" altLang="zh-CN" dirty="0" err="1"/>
+              <a:t>Shader</a:t>
+            </a:r>
+            <a:r>
+              <a:rPr lang="zh-CN" altLang="en-US" dirty="0"/>
+              <a:t>中根据另外一张</a:t>
+            </a:r>
+            <a:r>
+              <a:rPr lang="zh-CN" altLang="en-US" dirty="0">
+                <a:solidFill>
+                  <a:srgbClr val="00B050"/>
+                </a:solidFill>
+              </a:rPr>
+              <a:t>地图区域的索引纹理</a:t>
+            </a:r>
+            <a:r>
+              <a:rPr lang="zh-CN" altLang="en-US" dirty="0"/>
+              <a:t>，来索引到地图上当前像素对应的势力颜色，填充到地图上。</a:t>
+            </a:r>
+            <a:r>
+              <a:rPr lang="en-US" altLang="zh-CN" dirty="0"/>
               <a:t>		      </a:t>
             </a:r>
           </a:p>
           <a:p>
-            <a:endParaRPr lang="en-US" altLang="zh-CN" dirty="0" smtClean="0"/>
-          </a:p>
-          <a:p>
-            <a:endParaRPr lang="en-US" altLang="zh-CN" dirty="0" smtClean="0"/>
+            <a:endParaRPr lang="en-US" altLang="zh-CN" dirty="0"/>
+          </a:p>
+          <a:p>
+            <a:endParaRPr lang="en-US" altLang="zh-CN" dirty="0"/>
           </a:p>
           <a:p>
             <a:endParaRPr lang="zh-CN" altLang="en-US" dirty="0"/>
@@ -5131,13 +6977,6 @@
   <p:clrMapOvr>
     <a:masterClrMapping/>
   </p:clrMapOvr>
-  <p:timing>
-    <p:tnLst>
-      <p:par>
-        <p:cTn id="1" dur="indefinite" restart="never" nodeType="tmRoot"/>
-      </p:par>
-    </p:tnLst>
-  </p:timing>
 </p:sld>
 </file>
 
@@ -5181,10 +7020,9 @@
           <a:lstStyle/>
           <a:p>
             <a:r>
-              <a:rPr lang="zh-CN" altLang="en-US" dirty="0" smtClean="0"/>
-              <a:t>动画纹理</a:t>
-            </a:r>
-            <a:endParaRPr lang="zh-CN" altLang="en-US" dirty="0"/>
+              <a:rPr lang="zh-CN" altLang="en-US" dirty="0"/>
+              <a:t>程序纹理</a:t>
+            </a:r>
           </a:p>
         </p:txBody>
       </p:sp>
@@ -5214,71 +7052,38 @@
               <a:buNone/>
             </a:pPr>
             <a:r>
-              <a:rPr lang="zh-CN" altLang="en-US" dirty="0" smtClean="0"/>
-              <a:t>使用动画纹理的优缺点</a:t>
-            </a:r>
-            <a:endParaRPr lang="en-US" altLang="zh-CN" dirty="0" smtClean="0"/>
-          </a:p>
-          <a:p>
-            <a:r>
-              <a:rPr lang="zh-CN" altLang="en-US" dirty="0" smtClean="0"/>
-              <a:t>优点</a:t>
-            </a:r>
-            <a:r>
-              <a:rPr lang="en-US" altLang="zh-CN" dirty="0" smtClean="0"/>
+              <a:rPr lang="zh-CN" altLang="en-US" dirty="0"/>
+              <a:t>地图里的势力区域</a:t>
+            </a:r>
+            <a:endParaRPr lang="en-US" altLang="zh-CN" dirty="0"/>
+          </a:p>
+          <a:p>
+            <a:pPr>
+              <a:buNone/>
+            </a:pPr>
+            <a:r>
+              <a:rPr lang="zh-CN" altLang="en-US" dirty="0"/>
+              <a:t>程序纹理</a:t>
+            </a:r>
+            <a:r>
+              <a:rPr lang="en-US" altLang="zh-CN" dirty="0"/>
+              <a:t>:			</a:t>
+            </a:r>
+            <a:r>
+              <a:rPr lang="zh-CN" altLang="en-US" dirty="0"/>
+              <a:t>区域索引纹理</a:t>
+            </a:r>
+            <a:r>
+              <a:rPr lang="en-US" altLang="zh-CN" dirty="0"/>
               <a:t>:</a:t>
             </a:r>
-            <a:r>
-              <a:rPr lang="zh-CN" altLang="en-US" dirty="0" smtClean="0"/>
-              <a:t>不需要</a:t>
-            </a:r>
-            <a:r>
-              <a:rPr lang="en-US" altLang="zh-CN" dirty="0" smtClean="0"/>
-              <a:t>CPU</a:t>
-            </a:r>
-            <a:r>
-              <a:rPr lang="zh-CN" altLang="en-US" dirty="0" smtClean="0"/>
-              <a:t>对骨骼进行计算；对于处于相同状态的模型可以使用</a:t>
-            </a:r>
-            <a:r>
-              <a:rPr lang="en-US" altLang="zh-CN" dirty="0" smtClean="0"/>
-              <a:t>GPU Instance</a:t>
-            </a:r>
-            <a:r>
-              <a:rPr lang="zh-CN" altLang="en-US" dirty="0" smtClean="0"/>
-              <a:t>，适合渲染大批量的模型；</a:t>
-            </a:r>
-            <a:endParaRPr lang="en-US" altLang="zh-CN" dirty="0" smtClean="0"/>
-          </a:p>
-          <a:p>
-            <a:r>
-              <a:rPr lang="zh-CN" altLang="en-US" dirty="0" smtClean="0"/>
-              <a:t>缺点</a:t>
-            </a:r>
-            <a:r>
-              <a:rPr lang="en-US" altLang="zh-CN" dirty="0" smtClean="0"/>
-              <a:t>:</a:t>
-            </a:r>
-            <a:r>
-              <a:rPr lang="zh-CN" altLang="en-US" dirty="0" smtClean="0"/>
-              <a:t>需要额外的纹理去存储骨骼动画数据；不能使用引擎内部的动画控制器；纹理格式会导致一定的精度丢失，如果使用</a:t>
-            </a:r>
-            <a:r>
-              <a:rPr lang="en-US" altLang="zh-CN" dirty="0" smtClean="0"/>
-              <a:t>RGBA32</a:t>
-            </a:r>
-            <a:r>
-              <a:rPr lang="zh-CN" altLang="en-US" dirty="0" smtClean="0"/>
-              <a:t>，纹理不可以使用压缩格式</a:t>
-            </a:r>
-            <a:endParaRPr lang="en-US" altLang="zh-CN" dirty="0" smtClean="0"/>
-          </a:p>
-          <a:p>
-            <a:pPr lvl="4">
-              <a:buNone/>
-            </a:pPr>
-            <a:r>
-              <a:rPr lang="en-US" altLang="zh-CN" dirty="0" smtClean="0"/>
+          </a:p>
+          <a:p>
+            <a:pPr>
+              <a:buNone/>
+            </a:pPr>
+            <a:r>
+              <a:rPr lang="en-US" altLang="zh-CN" dirty="0"/>
               <a:t>		</a:t>
             </a:r>
           </a:p>
@@ -5287,33 +7092,96 @@
               <a:buNone/>
             </a:pPr>
             <a:r>
-              <a:rPr lang="en-US" altLang="zh-CN" dirty="0" smtClean="0"/>
+              <a:rPr lang="en-US" altLang="zh-CN" dirty="0"/>
               <a:t>		      </a:t>
             </a:r>
           </a:p>
           <a:p>
-            <a:endParaRPr lang="en-US" altLang="zh-CN" dirty="0" smtClean="0"/>
-          </a:p>
-          <a:p>
-            <a:endParaRPr lang="en-US" altLang="zh-CN" dirty="0" smtClean="0"/>
+            <a:endParaRPr lang="en-US" altLang="zh-CN" dirty="0"/>
+          </a:p>
+          <a:p>
+            <a:endParaRPr lang="en-US" altLang="zh-CN" dirty="0"/>
           </a:p>
           <a:p>
             <a:endParaRPr lang="zh-CN" altLang="en-US" dirty="0"/>
           </a:p>
         </p:txBody>
       </p:sp>
+      <p:pic>
+        <p:nvPicPr>
+          <p:cNvPr id="6" name="图片 5"/>
+          <p:cNvPicPr>
+            <a:picLocks noChangeAspect="1"/>
+          </p:cNvPicPr>
+          <p:nvPr/>
+        </p:nvPicPr>
+        <p:blipFill>
+          <a:blip r:embed="rId2">
+            <a:extLst>
+              <a:ext uri="{28A0092B-C50C-407E-A947-70E740481C1C}">
+                <a14:useLocalDpi xmlns:a14="http://schemas.microsoft.com/office/drawing/2010/main" val="0"/>
+              </a:ext>
+            </a:extLst>
+          </a:blip>
+          <a:srcRect/>
+          <a:stretch/>
+        </p:blipFill>
+        <p:spPr>
+          <a:xfrm>
+            <a:off x="4300258" y="2022963"/>
+            <a:ext cx="4592222" cy="4620746"/>
+          </a:xfrm>
+          <a:prstGeom prst="rect">
+            <a:avLst/>
+          </a:prstGeom>
+        </p:spPr>
+      </p:pic>
+      <p:pic>
+        <p:nvPicPr>
+          <p:cNvPr id="5" name="图片 4">
+            <a:extLst>
+              <a:ext uri="{FF2B5EF4-FFF2-40B4-BE49-F238E27FC236}">
+                <a16:creationId xmlns:a16="http://schemas.microsoft.com/office/drawing/2014/main" id="{3990A9B8-BE1F-41E7-B47B-CF091EB86C37}"/>
+              </a:ext>
+            </a:extLst>
+          </p:cNvPr>
+          <p:cNvPicPr>
+            <a:picLocks noChangeAspect="1"/>
+          </p:cNvPicPr>
+          <p:nvPr/>
+        </p:nvPicPr>
+        <p:blipFill>
+          <a:blip r:embed="rId3">
+            <a:extLst>
+              <a:ext uri="{28A0092B-C50C-407E-A947-70E740481C1C}">
+                <a14:useLocalDpi xmlns:a14="http://schemas.microsoft.com/office/drawing/2010/main" val="0"/>
+              </a:ext>
+            </a:extLst>
+          </a:blip>
+          <a:stretch>
+            <a:fillRect/>
+          </a:stretch>
+        </p:blipFill>
+        <p:spPr>
+          <a:xfrm>
+            <a:off x="350162" y="2036120"/>
+            <a:ext cx="3744416" cy="1877934"/>
+          </a:xfrm>
+          <a:prstGeom prst="rect">
+            <a:avLst/>
+          </a:prstGeom>
+        </p:spPr>
+      </p:pic>
     </p:spTree>
+    <p:extLst>
+      <p:ext uri="{BB962C8B-B14F-4D97-AF65-F5344CB8AC3E}">
+        <p14:creationId xmlns:p14="http://schemas.microsoft.com/office/powerpoint/2010/main" val="3000492371"/>
+      </p:ext>
+    </p:extLst>
   </p:cSld>
   <p:clrMapOvr>
     <a:masterClrMapping/>
   </p:clrMapOvr>
-  <p:timing>
-    <p:tnLst>
-      <p:par>
-        <p:cTn id="1" dur="indefinite" restart="never" nodeType="tmRoot"/>
-      </p:par>
-    </p:tnLst>
-  </p:timing>
 </p:sld>
 </file>
 
